--- a/female_work_history.pptx
+++ b/female_work_history.pptx
@@ -513,6 +513,947 @@
           <a:bodyPr/>
           <a:lstStyle/>
           <a:p>
+            <a:r>
+              <a:rPr lang="en-US" dirty="0"/>
+              <a:t>The spike that we see in the 2000s is due to </a:t>
+            </a:r>
+            <a:r>
+              <a:rPr lang="en-US" b="0" i="0" u="none" strike="noStrike" dirty="0">
+                <a:solidFill>
+                  <a:srgbClr val="000000"/>
+                </a:solidFill>
+                <a:effectLst/>
+                <a:latin typeface="-webkit-standard"/>
+              </a:rPr>
+              <a:t>fertility rate fluctuations. This view is worldwide and some countries experienced a decrease in birth rates.</a:t>
+            </a:r>
+            <a:endParaRPr lang="en-US" dirty="0"/>
+          </a:p>
+        </p:txBody>
+      </p:sp>
+      <p:sp>
+        <p:nvSpPr>
+          <p:cNvPr id="4" name="Slide Number Placeholder 3"/>
+          <p:cNvSpPr>
+            <a:spLocks noGrp="1"/>
+          </p:cNvSpPr>
+          <p:nvPr>
+            <p:ph type="sldNum" sz="quarter" idx="5"/>
+          </p:nvPr>
+        </p:nvSpPr>
+        <p:spPr/>
+        <p:txBody>
+          <a:bodyPr/>
+          <a:lstStyle/>
+          <a:p>
+            <a:fld id="{D51E99C2-368C-C044-9416-C043FEAC97D1}" type="slidenum">
+              <a:rPr lang="en-US" smtClean="0"/>
+              <a:t>2</a:t>
+            </a:fld>
+            <a:endParaRPr lang="en-US"/>
+          </a:p>
+        </p:txBody>
+      </p:sp>
+    </p:spTree>
+    <p:extLst>
+      <p:ext uri="{BB962C8B-B14F-4D97-AF65-F5344CB8AC3E}">
+        <p14:creationId xmlns:p14="http://schemas.microsoft.com/office/powerpoint/2010/main" val="2483770926"/>
+      </p:ext>
+    </p:extLst>
+  </p:cSld>
+  <p:clrMapOvr>
+    <a:masterClrMapping/>
+  </p:clrMapOvr>
+</p:notes>
+</file>
+
+<file path=ppt/notesSlides/notesSlide10.xml><?xml version="1.0" encoding="utf-8"?>
+<p:notes xmlns:a="http://schemas.openxmlformats.org/drawingml/2006/main" xmlns:r="http://schemas.openxmlformats.org/officeDocument/2006/relationships" xmlns:p="http://schemas.openxmlformats.org/presentationml/2006/main">
+  <p:cSld>
+    <p:spTree>
+      <p:nvGrpSpPr>
+        <p:cNvPr id="1" name=""/>
+        <p:cNvGrpSpPr/>
+        <p:nvPr/>
+      </p:nvGrpSpPr>
+      <p:grpSpPr>
+        <a:xfrm>
+          <a:off x="0" y="0"/>
+          <a:ext cx="0" cy="0"/>
+          <a:chOff x="0" y="0"/>
+          <a:chExt cx="0" cy="0"/>
+        </a:xfrm>
+      </p:grpSpPr>
+      <p:sp>
+        <p:nvSpPr>
+          <p:cNvPr id="2" name="Slide Image Placeholder 1"/>
+          <p:cNvSpPr>
+            <a:spLocks noGrp="1" noRot="1" noChangeAspect="1"/>
+          </p:cNvSpPr>
+          <p:nvPr>
+            <p:ph type="sldImg"/>
+          </p:nvPr>
+        </p:nvSpPr>
+        <p:spPr/>
+      </p:sp>
+      <p:sp>
+        <p:nvSpPr>
+          <p:cNvPr id="3" name="Notes Placeholder 2"/>
+          <p:cNvSpPr>
+            <a:spLocks noGrp="1"/>
+          </p:cNvSpPr>
+          <p:nvPr>
+            <p:ph type="body" idx="1"/>
+          </p:nvPr>
+        </p:nvSpPr>
+        <p:spPr/>
+        <p:txBody>
+          <a:bodyPr/>
+          <a:lstStyle/>
+          <a:p>
+            <a:r>
+              <a:rPr lang="en-US" dirty="0"/>
+              <a:t>In the grand scheme women are about 50% of the population and consistently adding to the labor force across the glob. 10 percent of women are unemployed and about 1.5% are in the Armed Forces.</a:t>
+            </a:r>
+          </a:p>
+        </p:txBody>
+      </p:sp>
+      <p:sp>
+        <p:nvSpPr>
+          <p:cNvPr id="4" name="Slide Number Placeholder 3"/>
+          <p:cNvSpPr>
+            <a:spLocks noGrp="1"/>
+          </p:cNvSpPr>
+          <p:nvPr>
+            <p:ph type="sldNum" sz="quarter" idx="5"/>
+          </p:nvPr>
+        </p:nvSpPr>
+        <p:spPr/>
+        <p:txBody>
+          <a:bodyPr/>
+          <a:lstStyle/>
+          <a:p>
+            <a:fld id="{D51E99C2-368C-C044-9416-C043FEAC97D1}" type="slidenum">
+              <a:rPr lang="en-US" smtClean="0"/>
+              <a:t>11</a:t>
+            </a:fld>
+            <a:endParaRPr lang="en-US"/>
+          </a:p>
+        </p:txBody>
+      </p:sp>
+    </p:spTree>
+    <p:extLst>
+      <p:ext uri="{BB962C8B-B14F-4D97-AF65-F5344CB8AC3E}">
+        <p14:creationId xmlns:p14="http://schemas.microsoft.com/office/powerpoint/2010/main" val="2662374175"/>
+      </p:ext>
+    </p:extLst>
+  </p:cSld>
+  <p:clrMapOvr>
+    <a:masterClrMapping/>
+  </p:clrMapOvr>
+</p:notes>
+</file>
+
+<file path=ppt/notesSlides/notesSlide2.xml><?xml version="1.0" encoding="utf-8"?>
+<p:notes xmlns:a="http://schemas.openxmlformats.org/drawingml/2006/main" xmlns:r="http://schemas.openxmlformats.org/officeDocument/2006/relationships" xmlns:p="http://schemas.openxmlformats.org/presentationml/2006/main">
+  <p:cSld>
+    <p:spTree>
+      <p:nvGrpSpPr>
+        <p:cNvPr id="1" name=""/>
+        <p:cNvGrpSpPr/>
+        <p:nvPr/>
+      </p:nvGrpSpPr>
+      <p:grpSpPr>
+        <a:xfrm>
+          <a:off x="0" y="0"/>
+          <a:ext cx="0" cy="0"/>
+          <a:chOff x="0" y="0"/>
+          <a:chExt cx="0" cy="0"/>
+        </a:xfrm>
+      </p:grpSpPr>
+      <p:sp>
+        <p:nvSpPr>
+          <p:cNvPr id="2" name="Slide Image Placeholder 1"/>
+          <p:cNvSpPr>
+            <a:spLocks noGrp="1" noRot="1" noChangeAspect="1"/>
+          </p:cNvSpPr>
+          <p:nvPr>
+            <p:ph type="sldImg"/>
+          </p:nvPr>
+        </p:nvSpPr>
+        <p:spPr/>
+      </p:sp>
+      <p:sp>
+        <p:nvSpPr>
+          <p:cNvPr id="3" name="Notes Placeholder 2"/>
+          <p:cNvSpPr>
+            <a:spLocks noGrp="1"/>
+          </p:cNvSpPr>
+          <p:nvPr>
+            <p:ph type="body" idx="1"/>
+          </p:nvPr>
+        </p:nvSpPr>
+        <p:spPr/>
+        <p:txBody>
+          <a:bodyPr/>
+          <a:lstStyle/>
+          <a:p>
+            <a:r>
+              <a:rPr lang="en-US" b="0" i="0" u="none" strike="noStrike" dirty="0">
+                <a:solidFill>
+                  <a:srgbClr val="000000"/>
+                </a:solidFill>
+                <a:effectLst/>
+              </a:rPr>
+              <a:t>By the 1980s, female literacy rates were on the rise worldwide. This progress likely stemmed from a global push for education and initiatives specifically aimed at girls' schooling. Despite this improvement, a significant gap between male and female literacy rates still existed on a global scale.</a:t>
+            </a:r>
+          </a:p>
+          <a:p>
+            <a:endParaRPr lang="en-US" b="0" i="0" u="none" strike="noStrike" dirty="0">
+              <a:solidFill>
+                <a:srgbClr val="000000"/>
+              </a:solidFill>
+              <a:effectLst/>
+            </a:endParaRPr>
+          </a:p>
+          <a:p>
+            <a:r>
+              <a:rPr lang="en-US" b="0" i="0" u="none" strike="noStrike" dirty="0">
+                <a:solidFill>
+                  <a:srgbClr val="000000"/>
+                </a:solidFill>
+                <a:effectLst/>
+              </a:rPr>
+              <a:t>Though uncommon today, in the late 1990s, females were generally less literate than males globally. Social norms often prioritized boys' education, and girls might lack access to schools or be pulled out early for marriage or childcare. Poverty and cultural attitudes also played a role in this historical gap.</a:t>
+            </a:r>
+            <a:endParaRPr lang="en-US" dirty="0"/>
+          </a:p>
+        </p:txBody>
+      </p:sp>
+      <p:sp>
+        <p:nvSpPr>
+          <p:cNvPr id="4" name="Slide Number Placeholder 3"/>
+          <p:cNvSpPr>
+            <a:spLocks noGrp="1"/>
+          </p:cNvSpPr>
+          <p:nvPr>
+            <p:ph type="sldNum" sz="quarter" idx="5"/>
+          </p:nvPr>
+        </p:nvSpPr>
+        <p:spPr/>
+        <p:txBody>
+          <a:bodyPr/>
+          <a:lstStyle/>
+          <a:p>
+            <a:fld id="{D51E99C2-368C-C044-9416-C043FEAC97D1}" type="slidenum">
+              <a:rPr lang="en-US" smtClean="0"/>
+              <a:t>3</a:t>
+            </a:fld>
+            <a:endParaRPr lang="en-US"/>
+          </a:p>
+        </p:txBody>
+      </p:sp>
+    </p:spTree>
+    <p:extLst>
+      <p:ext uri="{BB962C8B-B14F-4D97-AF65-F5344CB8AC3E}">
+        <p14:creationId xmlns:p14="http://schemas.microsoft.com/office/powerpoint/2010/main" val="688627004"/>
+      </p:ext>
+    </p:extLst>
+  </p:cSld>
+  <p:clrMapOvr>
+    <a:masterClrMapping/>
+  </p:clrMapOvr>
+</p:notes>
+</file>
+
+<file path=ppt/notesSlides/notesSlide3.xml><?xml version="1.0" encoding="utf-8"?>
+<p:notes xmlns:a="http://schemas.openxmlformats.org/drawingml/2006/main" xmlns:r="http://schemas.openxmlformats.org/officeDocument/2006/relationships" xmlns:p="http://schemas.openxmlformats.org/presentationml/2006/main">
+  <p:cSld>
+    <p:spTree>
+      <p:nvGrpSpPr>
+        <p:cNvPr id="1" name=""/>
+        <p:cNvGrpSpPr/>
+        <p:nvPr/>
+      </p:nvGrpSpPr>
+      <p:grpSpPr>
+        <a:xfrm>
+          <a:off x="0" y="0"/>
+          <a:ext cx="0" cy="0"/>
+          <a:chOff x="0" y="0"/>
+          <a:chExt cx="0" cy="0"/>
+        </a:xfrm>
+      </p:grpSpPr>
+      <p:sp>
+        <p:nvSpPr>
+          <p:cNvPr id="2" name="Slide Image Placeholder 1"/>
+          <p:cNvSpPr>
+            <a:spLocks noGrp="1" noRot="1" noChangeAspect="1"/>
+          </p:cNvSpPr>
+          <p:nvPr>
+            <p:ph type="sldImg"/>
+          </p:nvPr>
+        </p:nvSpPr>
+        <p:spPr/>
+      </p:sp>
+      <p:sp>
+        <p:nvSpPr>
+          <p:cNvPr id="3" name="Notes Placeholder 2"/>
+          <p:cNvSpPr>
+            <a:spLocks noGrp="1"/>
+          </p:cNvSpPr>
+          <p:nvPr>
+            <p:ph type="body" idx="1"/>
+          </p:nvPr>
+        </p:nvSpPr>
+        <p:spPr/>
+        <p:txBody>
+          <a:bodyPr/>
+          <a:lstStyle/>
+          <a:p>
+            <a:r>
+              <a:rPr lang="en-US" dirty="0"/>
+              <a:t>Huge incline of female pupils in elementary or primary schools since 1975.</a:t>
+            </a:r>
+          </a:p>
+        </p:txBody>
+      </p:sp>
+      <p:sp>
+        <p:nvSpPr>
+          <p:cNvPr id="4" name="Slide Number Placeholder 3"/>
+          <p:cNvSpPr>
+            <a:spLocks noGrp="1"/>
+          </p:cNvSpPr>
+          <p:nvPr>
+            <p:ph type="sldNum" sz="quarter" idx="5"/>
+          </p:nvPr>
+        </p:nvSpPr>
+        <p:spPr/>
+        <p:txBody>
+          <a:bodyPr/>
+          <a:lstStyle/>
+          <a:p>
+            <a:fld id="{D51E99C2-368C-C044-9416-C043FEAC97D1}" type="slidenum">
+              <a:rPr lang="en-US" smtClean="0"/>
+              <a:t>4</a:t>
+            </a:fld>
+            <a:endParaRPr lang="en-US"/>
+          </a:p>
+        </p:txBody>
+      </p:sp>
+    </p:spTree>
+    <p:extLst>
+      <p:ext uri="{BB962C8B-B14F-4D97-AF65-F5344CB8AC3E}">
+        <p14:creationId xmlns:p14="http://schemas.microsoft.com/office/powerpoint/2010/main" val="456791286"/>
+      </p:ext>
+    </p:extLst>
+  </p:cSld>
+  <p:clrMapOvr>
+    <a:masterClrMapping/>
+  </p:clrMapOvr>
+</p:notes>
+</file>
+
+<file path=ppt/notesSlides/notesSlide4.xml><?xml version="1.0" encoding="utf-8"?>
+<p:notes xmlns:a="http://schemas.openxmlformats.org/drawingml/2006/main" xmlns:r="http://schemas.openxmlformats.org/officeDocument/2006/relationships" xmlns:p="http://schemas.openxmlformats.org/presentationml/2006/main">
+  <p:cSld>
+    <p:spTree>
+      <p:nvGrpSpPr>
+        <p:cNvPr id="1" name=""/>
+        <p:cNvGrpSpPr/>
+        <p:nvPr/>
+      </p:nvGrpSpPr>
+      <p:grpSpPr>
+        <a:xfrm>
+          <a:off x="0" y="0"/>
+          <a:ext cx="0" cy="0"/>
+          <a:chOff x="0" y="0"/>
+          <a:chExt cx="0" cy="0"/>
+        </a:xfrm>
+      </p:grpSpPr>
+      <p:sp>
+        <p:nvSpPr>
+          <p:cNvPr id="2" name="Slide Image Placeholder 1"/>
+          <p:cNvSpPr>
+            <a:spLocks noGrp="1" noRot="1" noChangeAspect="1"/>
+          </p:cNvSpPr>
+          <p:nvPr>
+            <p:ph type="sldImg"/>
+          </p:nvPr>
+        </p:nvSpPr>
+        <p:spPr/>
+      </p:sp>
+      <p:sp>
+        <p:nvSpPr>
+          <p:cNvPr id="3" name="Notes Placeholder 2"/>
+          <p:cNvSpPr>
+            <a:spLocks noGrp="1"/>
+          </p:cNvSpPr>
+          <p:nvPr>
+            <p:ph type="body" idx="1"/>
+          </p:nvPr>
+        </p:nvSpPr>
+        <p:spPr/>
+        <p:txBody>
+          <a:bodyPr/>
+          <a:lstStyle/>
+          <a:p>
+            <a:pPr marL="0" marR="0" lvl="0" indent="0" algn="l" defTabSz="914400" rtl="0" eaLnBrk="1" fontAlgn="auto" latinLnBrk="0" hangingPunct="1">
+              <a:lnSpc>
+                <a:spcPct val="100000"/>
+              </a:lnSpc>
+              <a:spcBef>
+                <a:spcPts val="0"/>
+              </a:spcBef>
+              <a:spcAft>
+                <a:spcPts val="0"/>
+              </a:spcAft>
+              <a:buClrTx/>
+              <a:buSzTx/>
+              <a:buFontTx/>
+              <a:buNone/>
+              <a:tabLst/>
+              <a:defRPr/>
+            </a:pPr>
+            <a:r>
+              <a:rPr lang="en-US" b="0" i="0" u="none" strike="noStrike" dirty="0">
+                <a:solidFill>
+                  <a:srgbClr val="000000"/>
+                </a:solidFill>
+                <a:effectLst/>
+              </a:rPr>
+              <a:t>The late 1990s likely continued a trend of rising female enrollment in secondary school, not necessarily a sudden </a:t>
+            </a:r>
+            <a:r>
+              <a:rPr lang="en-US" b="0" i="0" u="none" strike="noStrike" dirty="0" err="1">
+                <a:solidFill>
+                  <a:srgbClr val="000000"/>
+                </a:solidFill>
+                <a:effectLst/>
+              </a:rPr>
+              <a:t>spike.This</a:t>
+            </a:r>
+            <a:r>
+              <a:rPr lang="en-US" b="0" i="0" u="none" strike="noStrike" dirty="0">
+                <a:solidFill>
+                  <a:srgbClr val="000000"/>
+                </a:solidFill>
+                <a:effectLst/>
+              </a:rPr>
+              <a:t> resulted from a global focus on education, including girls' education, along with changing social norms and economic factors that made education more valuable for girls.</a:t>
+            </a:r>
+            <a:endParaRPr lang="en-US" dirty="0"/>
+          </a:p>
+          <a:p>
+            <a:endParaRPr lang="en-US" dirty="0"/>
+          </a:p>
+        </p:txBody>
+      </p:sp>
+      <p:sp>
+        <p:nvSpPr>
+          <p:cNvPr id="4" name="Slide Number Placeholder 3"/>
+          <p:cNvSpPr>
+            <a:spLocks noGrp="1"/>
+          </p:cNvSpPr>
+          <p:nvPr>
+            <p:ph type="sldNum" sz="quarter" idx="5"/>
+          </p:nvPr>
+        </p:nvSpPr>
+        <p:spPr/>
+        <p:txBody>
+          <a:bodyPr/>
+          <a:lstStyle/>
+          <a:p>
+            <a:fld id="{D51E99C2-368C-C044-9416-C043FEAC97D1}" type="slidenum">
+              <a:rPr lang="en-US" smtClean="0"/>
+              <a:t>5</a:t>
+            </a:fld>
+            <a:endParaRPr lang="en-US"/>
+          </a:p>
+        </p:txBody>
+      </p:sp>
+    </p:spTree>
+    <p:extLst>
+      <p:ext uri="{BB962C8B-B14F-4D97-AF65-F5344CB8AC3E}">
+        <p14:creationId xmlns:p14="http://schemas.microsoft.com/office/powerpoint/2010/main" val="1439240592"/>
+      </p:ext>
+    </p:extLst>
+  </p:cSld>
+  <p:clrMapOvr>
+    <a:masterClrMapping/>
+  </p:clrMapOvr>
+</p:notes>
+</file>
+
+<file path=ppt/notesSlides/notesSlide5.xml><?xml version="1.0" encoding="utf-8"?>
+<p:notes xmlns:a="http://schemas.openxmlformats.org/drawingml/2006/main" xmlns:r="http://schemas.openxmlformats.org/officeDocument/2006/relationships" xmlns:p="http://schemas.openxmlformats.org/presentationml/2006/main">
+  <p:cSld>
+    <p:spTree>
+      <p:nvGrpSpPr>
+        <p:cNvPr id="1" name=""/>
+        <p:cNvGrpSpPr/>
+        <p:nvPr/>
+      </p:nvGrpSpPr>
+      <p:grpSpPr>
+        <a:xfrm>
+          <a:off x="0" y="0"/>
+          <a:ext cx="0" cy="0"/>
+          <a:chOff x="0" y="0"/>
+          <a:chExt cx="0" cy="0"/>
+        </a:xfrm>
+      </p:grpSpPr>
+      <p:sp>
+        <p:nvSpPr>
+          <p:cNvPr id="2" name="Slide Image Placeholder 1"/>
+          <p:cNvSpPr>
+            <a:spLocks noGrp="1" noRot="1" noChangeAspect="1"/>
+          </p:cNvSpPr>
+          <p:nvPr>
+            <p:ph type="sldImg"/>
+          </p:nvPr>
+        </p:nvSpPr>
+        <p:spPr/>
+      </p:sp>
+      <p:sp>
+        <p:nvSpPr>
+          <p:cNvPr id="3" name="Notes Placeholder 2"/>
+          <p:cNvSpPr>
+            <a:spLocks noGrp="1"/>
+          </p:cNvSpPr>
+          <p:nvPr>
+            <p:ph type="body" idx="1"/>
+          </p:nvPr>
+        </p:nvSpPr>
+        <p:spPr/>
+        <p:txBody>
+          <a:bodyPr/>
+          <a:lstStyle/>
+          <a:p>
+            <a:pPr marL="0" marR="0" lvl="0" indent="0" algn="l" defTabSz="914400" rtl="0" eaLnBrk="1" fontAlgn="auto" latinLnBrk="0" hangingPunct="1">
+              <a:lnSpc>
+                <a:spcPct val="100000"/>
+              </a:lnSpc>
+              <a:spcBef>
+                <a:spcPts val="0"/>
+              </a:spcBef>
+              <a:spcAft>
+                <a:spcPts val="0"/>
+              </a:spcAft>
+              <a:buClrTx/>
+              <a:buSzTx/>
+              <a:buFontTx/>
+              <a:buNone/>
+              <a:tabLst/>
+              <a:defRPr/>
+            </a:pPr>
+            <a:r>
+              <a:rPr lang="en-US" dirty="0"/>
+              <a:t>Huge incline of female pupils in elementary or primary schools since 1975.</a:t>
+            </a:r>
+          </a:p>
+          <a:p>
+            <a:endParaRPr lang="en-US" dirty="0"/>
+          </a:p>
+        </p:txBody>
+      </p:sp>
+      <p:sp>
+        <p:nvSpPr>
+          <p:cNvPr id="4" name="Slide Number Placeholder 3"/>
+          <p:cNvSpPr>
+            <a:spLocks noGrp="1"/>
+          </p:cNvSpPr>
+          <p:nvPr>
+            <p:ph type="sldNum" sz="quarter" idx="5"/>
+          </p:nvPr>
+        </p:nvSpPr>
+        <p:spPr/>
+        <p:txBody>
+          <a:bodyPr/>
+          <a:lstStyle/>
+          <a:p>
+            <a:fld id="{D51E99C2-368C-C044-9416-C043FEAC97D1}" type="slidenum">
+              <a:rPr lang="en-US" smtClean="0"/>
+              <a:t>6</a:t>
+            </a:fld>
+            <a:endParaRPr lang="en-US"/>
+          </a:p>
+        </p:txBody>
+      </p:sp>
+    </p:spTree>
+    <p:extLst>
+      <p:ext uri="{BB962C8B-B14F-4D97-AF65-F5344CB8AC3E}">
+        <p14:creationId xmlns:p14="http://schemas.microsoft.com/office/powerpoint/2010/main" val="2664493071"/>
+      </p:ext>
+    </p:extLst>
+  </p:cSld>
+  <p:clrMapOvr>
+    <a:masterClrMapping/>
+  </p:clrMapOvr>
+</p:notes>
+</file>
+
+<file path=ppt/notesSlides/notesSlide6.xml><?xml version="1.0" encoding="utf-8"?>
+<p:notes xmlns:a="http://schemas.openxmlformats.org/drawingml/2006/main" xmlns:r="http://schemas.openxmlformats.org/officeDocument/2006/relationships" xmlns:p="http://schemas.openxmlformats.org/presentationml/2006/main">
+  <p:cSld>
+    <p:spTree>
+      <p:nvGrpSpPr>
+        <p:cNvPr id="1" name=""/>
+        <p:cNvGrpSpPr/>
+        <p:nvPr/>
+      </p:nvGrpSpPr>
+      <p:grpSpPr>
+        <a:xfrm>
+          <a:off x="0" y="0"/>
+          <a:ext cx="0" cy="0"/>
+          <a:chOff x="0" y="0"/>
+          <a:chExt cx="0" cy="0"/>
+        </a:xfrm>
+      </p:grpSpPr>
+      <p:sp>
+        <p:nvSpPr>
+          <p:cNvPr id="2" name="Slide Image Placeholder 1"/>
+          <p:cNvSpPr>
+            <a:spLocks noGrp="1" noRot="1" noChangeAspect="1"/>
+          </p:cNvSpPr>
+          <p:nvPr>
+            <p:ph type="sldImg"/>
+          </p:nvPr>
+        </p:nvSpPr>
+        <p:spPr/>
+      </p:sp>
+      <p:sp>
+        <p:nvSpPr>
+          <p:cNvPr id="3" name="Notes Placeholder 2"/>
+          <p:cNvSpPr>
+            <a:spLocks noGrp="1"/>
+          </p:cNvSpPr>
+          <p:nvPr>
+            <p:ph type="body" idx="1"/>
+          </p:nvPr>
+        </p:nvSpPr>
+        <p:spPr/>
+        <p:txBody>
+          <a:bodyPr/>
+          <a:lstStyle/>
+          <a:p>
+            <a:endParaRPr lang="en-US" dirty="0"/>
+          </a:p>
+        </p:txBody>
+      </p:sp>
+      <p:sp>
+        <p:nvSpPr>
+          <p:cNvPr id="4" name="Slide Number Placeholder 3"/>
+          <p:cNvSpPr>
+            <a:spLocks noGrp="1"/>
+          </p:cNvSpPr>
+          <p:nvPr>
+            <p:ph type="sldNum" sz="quarter" idx="5"/>
+          </p:nvPr>
+        </p:nvSpPr>
+        <p:spPr/>
+        <p:txBody>
+          <a:bodyPr/>
+          <a:lstStyle/>
+          <a:p>
+            <a:fld id="{D51E99C2-368C-C044-9416-C043FEAC97D1}" type="slidenum">
+              <a:rPr lang="en-US" smtClean="0"/>
+              <a:t>7</a:t>
+            </a:fld>
+            <a:endParaRPr lang="en-US"/>
+          </a:p>
+        </p:txBody>
+      </p:sp>
+    </p:spTree>
+    <p:extLst>
+      <p:ext uri="{BB962C8B-B14F-4D97-AF65-F5344CB8AC3E}">
+        <p14:creationId xmlns:p14="http://schemas.microsoft.com/office/powerpoint/2010/main" val="1976523371"/>
+      </p:ext>
+    </p:extLst>
+  </p:cSld>
+  <p:clrMapOvr>
+    <a:masterClrMapping/>
+  </p:clrMapOvr>
+</p:notes>
+</file>
+
+<file path=ppt/notesSlides/notesSlide7.xml><?xml version="1.0" encoding="utf-8"?>
+<p:notes xmlns:a="http://schemas.openxmlformats.org/drawingml/2006/main" xmlns:r="http://schemas.openxmlformats.org/officeDocument/2006/relationships" xmlns:p="http://schemas.openxmlformats.org/presentationml/2006/main">
+  <p:cSld>
+    <p:spTree>
+      <p:nvGrpSpPr>
+        <p:cNvPr id="1" name=""/>
+        <p:cNvGrpSpPr/>
+        <p:nvPr/>
+      </p:nvGrpSpPr>
+      <p:grpSpPr>
+        <a:xfrm>
+          <a:off x="0" y="0"/>
+          <a:ext cx="0" cy="0"/>
+          <a:chOff x="0" y="0"/>
+          <a:chExt cx="0" cy="0"/>
+        </a:xfrm>
+      </p:grpSpPr>
+      <p:sp>
+        <p:nvSpPr>
+          <p:cNvPr id="2" name="Slide Image Placeholder 1"/>
+          <p:cNvSpPr>
+            <a:spLocks noGrp="1" noRot="1" noChangeAspect="1"/>
+          </p:cNvSpPr>
+          <p:nvPr>
+            <p:ph type="sldImg"/>
+          </p:nvPr>
+        </p:nvSpPr>
+        <p:spPr/>
+      </p:sp>
+      <p:sp>
+        <p:nvSpPr>
+          <p:cNvPr id="3" name="Notes Placeholder 2"/>
+          <p:cNvSpPr>
+            <a:spLocks noGrp="1"/>
+          </p:cNvSpPr>
+          <p:nvPr>
+            <p:ph type="body" idx="1"/>
+          </p:nvPr>
+        </p:nvSpPr>
+        <p:spPr/>
+        <p:txBody>
+          <a:bodyPr/>
+          <a:lstStyle/>
+          <a:p>
+            <a:r>
+              <a:rPr lang="en-US" b="0" i="0" u="none" strike="noStrike" dirty="0">
+                <a:solidFill>
+                  <a:srgbClr val="000000"/>
+                </a:solidFill>
+                <a:effectLst/>
+              </a:rPr>
+              <a:t>The COVID-19 pandemic caused a decline in female labor force participation in 2020. School closures, job losses in female-dominated industries, and increased caregiving needs pushed many women out of the workforce or into reduced hours.</a:t>
+            </a:r>
+            <a:endParaRPr lang="en-US" dirty="0"/>
+          </a:p>
+        </p:txBody>
+      </p:sp>
+      <p:sp>
+        <p:nvSpPr>
+          <p:cNvPr id="4" name="Slide Number Placeholder 3"/>
+          <p:cNvSpPr>
+            <a:spLocks noGrp="1"/>
+          </p:cNvSpPr>
+          <p:nvPr>
+            <p:ph type="sldNum" sz="quarter" idx="5"/>
+          </p:nvPr>
+        </p:nvSpPr>
+        <p:spPr/>
+        <p:txBody>
+          <a:bodyPr/>
+          <a:lstStyle/>
+          <a:p>
+            <a:fld id="{D51E99C2-368C-C044-9416-C043FEAC97D1}" type="slidenum">
+              <a:rPr lang="en-US" smtClean="0"/>
+              <a:t>8</a:t>
+            </a:fld>
+            <a:endParaRPr lang="en-US"/>
+          </a:p>
+        </p:txBody>
+      </p:sp>
+    </p:spTree>
+    <p:extLst>
+      <p:ext uri="{BB962C8B-B14F-4D97-AF65-F5344CB8AC3E}">
+        <p14:creationId xmlns:p14="http://schemas.microsoft.com/office/powerpoint/2010/main" val="2541202644"/>
+      </p:ext>
+    </p:extLst>
+  </p:cSld>
+  <p:clrMapOvr>
+    <a:masterClrMapping/>
+  </p:clrMapOvr>
+</p:notes>
+</file>
+
+<file path=ppt/notesSlides/notesSlide8.xml><?xml version="1.0" encoding="utf-8"?>
+<p:notes xmlns:a="http://schemas.openxmlformats.org/drawingml/2006/main" xmlns:r="http://schemas.openxmlformats.org/officeDocument/2006/relationships" xmlns:p="http://schemas.openxmlformats.org/presentationml/2006/main">
+  <p:cSld>
+    <p:spTree>
+      <p:nvGrpSpPr>
+        <p:cNvPr id="1" name=""/>
+        <p:cNvGrpSpPr/>
+        <p:nvPr/>
+      </p:nvGrpSpPr>
+      <p:grpSpPr>
+        <a:xfrm>
+          <a:off x="0" y="0"/>
+          <a:ext cx="0" cy="0"/>
+          <a:chOff x="0" y="0"/>
+          <a:chExt cx="0" cy="0"/>
+        </a:xfrm>
+      </p:grpSpPr>
+      <p:sp>
+        <p:nvSpPr>
+          <p:cNvPr id="2" name="Slide Image Placeholder 1"/>
+          <p:cNvSpPr>
+            <a:spLocks noGrp="1" noRot="1" noChangeAspect="1"/>
+          </p:cNvSpPr>
+          <p:nvPr>
+            <p:ph type="sldImg"/>
+          </p:nvPr>
+        </p:nvSpPr>
+        <p:spPr/>
+      </p:sp>
+      <p:sp>
+        <p:nvSpPr>
+          <p:cNvPr id="3" name="Notes Placeholder 2"/>
+          <p:cNvSpPr>
+            <a:spLocks noGrp="1"/>
+          </p:cNvSpPr>
+          <p:nvPr>
+            <p:ph type="body" idx="1"/>
+          </p:nvPr>
+        </p:nvSpPr>
+        <p:spPr/>
+        <p:txBody>
+          <a:bodyPr/>
+          <a:lstStyle/>
+          <a:p>
+            <a:r>
+              <a:rPr lang="en-US" b="0" i="0" u="none" strike="noStrike" dirty="0">
+                <a:solidFill>
+                  <a:srgbClr val="000000"/>
+                </a:solidFill>
+                <a:effectLst/>
+                <a:latin typeface="-webkit-standard"/>
+              </a:rPr>
+              <a:t>Decreases in unemployment</a:t>
+            </a:r>
+          </a:p>
+          <a:p>
+            <a:endParaRPr lang="en-US" b="0" i="0" u="none" strike="noStrike" dirty="0">
+              <a:solidFill>
+                <a:srgbClr val="000000"/>
+              </a:solidFill>
+              <a:effectLst/>
+              <a:latin typeface="-webkit-standard"/>
+            </a:endParaRPr>
+          </a:p>
+          <a:p>
+            <a:r>
+              <a:rPr lang="en-US" b="0" i="0" u="none" strike="noStrike" dirty="0">
+                <a:solidFill>
+                  <a:srgbClr val="000000"/>
+                </a:solidFill>
+                <a:effectLst/>
+                <a:latin typeface="-webkit-standard"/>
+              </a:rPr>
+              <a:t>The Great Recession, which began in late 2007, significantly impacted the job market and led to rising unemployment rates across the board.</a:t>
+            </a:r>
+            <a:r>
+              <a:rPr lang="en-US" dirty="0"/>
+              <a:t> In 2008, women begun acquiring jobs.  </a:t>
+            </a:r>
+          </a:p>
+          <a:p>
+            <a:endParaRPr lang="en-US" dirty="0"/>
+          </a:p>
+          <a:p>
+            <a:r>
+              <a:rPr lang="en-US" b="0" i="0" u="none" strike="noStrike" dirty="0">
+                <a:solidFill>
+                  <a:srgbClr val="000000"/>
+                </a:solidFill>
+                <a:effectLst/>
+              </a:rPr>
+              <a:t>The strong job market in 2018 led to a decrease in the female unemployment rate. This resulted from a combination of factors including a tight labor market, growth in female-dominated industries, and more women re-entering the workforce.</a:t>
+            </a:r>
+            <a:endParaRPr lang="en-US" dirty="0"/>
+          </a:p>
+        </p:txBody>
+      </p:sp>
+      <p:sp>
+        <p:nvSpPr>
+          <p:cNvPr id="4" name="Slide Number Placeholder 3"/>
+          <p:cNvSpPr>
+            <a:spLocks noGrp="1"/>
+          </p:cNvSpPr>
+          <p:nvPr>
+            <p:ph type="sldNum" sz="quarter" idx="5"/>
+          </p:nvPr>
+        </p:nvSpPr>
+        <p:spPr/>
+        <p:txBody>
+          <a:bodyPr/>
+          <a:lstStyle/>
+          <a:p>
+            <a:fld id="{D51E99C2-368C-C044-9416-C043FEAC97D1}" type="slidenum">
+              <a:rPr lang="en-US" smtClean="0"/>
+              <a:t>9</a:t>
+            </a:fld>
+            <a:endParaRPr lang="en-US"/>
+          </a:p>
+        </p:txBody>
+      </p:sp>
+    </p:spTree>
+    <p:extLst>
+      <p:ext uri="{BB962C8B-B14F-4D97-AF65-F5344CB8AC3E}">
+        <p14:creationId xmlns:p14="http://schemas.microsoft.com/office/powerpoint/2010/main" val="2700271758"/>
+      </p:ext>
+    </p:extLst>
+  </p:cSld>
+  <p:clrMapOvr>
+    <a:masterClrMapping/>
+  </p:clrMapOvr>
+</p:notes>
+</file>
+
+<file path=ppt/notesSlides/notesSlide9.xml><?xml version="1.0" encoding="utf-8"?>
+<p:notes xmlns:a="http://schemas.openxmlformats.org/drawingml/2006/main" xmlns:r="http://schemas.openxmlformats.org/officeDocument/2006/relationships" xmlns:p="http://schemas.openxmlformats.org/presentationml/2006/main">
+  <p:cSld>
+    <p:spTree>
+      <p:nvGrpSpPr>
+        <p:cNvPr id="1" name=""/>
+        <p:cNvGrpSpPr/>
+        <p:nvPr/>
+      </p:nvGrpSpPr>
+      <p:grpSpPr>
+        <a:xfrm>
+          <a:off x="0" y="0"/>
+          <a:ext cx="0" cy="0"/>
+          <a:chOff x="0" y="0"/>
+          <a:chExt cx="0" cy="0"/>
+        </a:xfrm>
+      </p:grpSpPr>
+      <p:sp>
+        <p:nvSpPr>
+          <p:cNvPr id="2" name="Slide Image Placeholder 1"/>
+          <p:cNvSpPr>
+            <a:spLocks noGrp="1" noRot="1" noChangeAspect="1"/>
+          </p:cNvSpPr>
+          <p:nvPr>
+            <p:ph type="sldImg"/>
+          </p:nvPr>
+        </p:nvSpPr>
+        <p:spPr/>
+      </p:sp>
+      <p:sp>
+        <p:nvSpPr>
+          <p:cNvPr id="3" name="Notes Placeholder 2"/>
+          <p:cNvSpPr>
+            <a:spLocks noGrp="1"/>
+          </p:cNvSpPr>
+          <p:nvPr>
+            <p:ph type="body" idx="1"/>
+          </p:nvPr>
+        </p:nvSpPr>
+        <p:spPr/>
+        <p:txBody>
+          <a:bodyPr/>
+          <a:lstStyle/>
+          <a:p>
+            <a:r>
+              <a:rPr lang="en-US" b="0" i="0" u="none" strike="noStrike" dirty="0">
+                <a:solidFill>
+                  <a:srgbClr val="000000"/>
+                </a:solidFill>
+                <a:effectLst/>
+              </a:rPr>
+              <a:t>The late 1990s did see a rise in female enlistment. This can be attributed to policy changes allowing women to fly combat missions, serve on warships, and hold positions closer to combat zones. These advancements, along with broader social changes, made the military a more viable career path for women.</a:t>
+            </a:r>
             <a:endParaRPr lang="en-US" dirty="0"/>
           </a:p>
         </p:txBody>
@@ -3883,10 +4824,10 @@
       </p:grpSpPr>
       <p:sp useBgFill="1">
         <p:nvSpPr>
-          <p:cNvPr id="1031" name="Rectangle 1030">
-            <a:extLst>
-              <a:ext uri="{FF2B5EF4-FFF2-40B4-BE49-F238E27FC236}">
-                <a16:creationId xmlns:a16="http://schemas.microsoft.com/office/drawing/2014/main" id="{65735658-270A-8D75-091E-AFB444A3D617}"/>
+          <p:cNvPr id="1040" name="Rectangle 1039">
+            <a:extLst>
+              <a:ext uri="{FF2B5EF4-FFF2-40B4-BE49-F238E27FC236}">
+                <a16:creationId xmlns:a16="http://schemas.microsoft.com/office/drawing/2014/main" id="{580CCD56-C12A-7636-D7A1-B201A297A205}"/>
               </a:ext>
               <a:ext uri="{C183D7F6-B498-43B3-948B-1728B52AA6E4}">
                 <adec:decorative xmlns:adec="http://schemas.microsoft.com/office/drawing/2017/decorative" val="1"/>
@@ -3957,380 +4898,134 @@
           </a:p>
         </p:txBody>
       </p:sp>
-      <p:pic>
-        <p:nvPicPr>
-          <p:cNvPr id="1026" name="Picture 2" descr="Black Women Friends: Over 47,782 Royalty-Free Licensable Stock  Illustrations &amp; Drawings | Shutterstock">
-            <a:extLst>
-              <a:ext uri="{FF2B5EF4-FFF2-40B4-BE49-F238E27FC236}">
-                <a16:creationId xmlns:a16="http://schemas.microsoft.com/office/drawing/2014/main" id="{71B87B4A-7538-3B97-2AD1-A058034E0951}"/>
-              </a:ext>
-            </a:extLst>
-          </p:cNvPr>
-          <p:cNvPicPr>
-            <a:picLocks noChangeAspect="1" noChangeArrowheads="1"/>
-          </p:cNvPicPr>
-          <p:nvPr/>
-        </p:nvPicPr>
-        <p:blipFill rotWithShape="1">
-          <a:blip r:embed="rId2">
-            <a:alphaModFix/>
-            <a:extLst>
-              <a:ext uri="{28A0092B-C50C-407E-A947-70E740481C1C}">
-                <a14:useLocalDpi xmlns:a14="http://schemas.microsoft.com/office/drawing/2010/main" val="0"/>
-              </a:ext>
-            </a:extLst>
-          </a:blip>
-          <a:srcRect b="881"/>
-          <a:stretch/>
-        </p:blipFill>
-        <p:spPr bwMode="auto">
+      <p:sp>
+        <p:nvSpPr>
+          <p:cNvPr id="2" name="Title 1">
+            <a:extLst>
+              <a:ext uri="{FF2B5EF4-FFF2-40B4-BE49-F238E27FC236}">
+                <a16:creationId xmlns:a16="http://schemas.microsoft.com/office/drawing/2014/main" id="{D83CA191-BE6F-0375-1326-CC17A1D0482C}"/>
+              </a:ext>
+            </a:extLst>
+          </p:cNvPr>
+          <p:cNvSpPr>
+            <a:spLocks noGrp="1"/>
+          </p:cNvSpPr>
+          <p:nvPr>
+            <p:ph type="ctrTitle"/>
+          </p:nvPr>
+        </p:nvSpPr>
+        <p:spPr>
           <a:xfrm>
-            <a:off x="20" y="7675"/>
-            <a:ext cx="12191980" cy="6858000"/>
+            <a:off x="964784" y="1544715"/>
+            <a:ext cx="4327602" cy="2710983"/>
+          </a:xfrm>
+          <a:noFill/>
+        </p:spPr>
+        <p:txBody>
+          <a:bodyPr anchor="ctr">
+            <a:normAutofit/>
+          </a:bodyPr>
+          <a:lstStyle/>
+          <a:p>
+            <a:pPr>
+              <a:lnSpc>
+                <a:spcPct val="110000"/>
+              </a:lnSpc>
+            </a:pPr>
+            <a:r>
+              <a:rPr lang="en-US" sz="2700" b="0" i="0" u="none" strike="noStrike">
+                <a:effectLst/>
+                <a:latin typeface="-webkit-standard"/>
+              </a:rPr>
+              <a:t>Empowering Women: Education and Labor Participation DATA</a:t>
+            </a:r>
+            <a:endParaRPr lang="en-US" sz="2700"/>
+          </a:p>
+        </p:txBody>
+      </p:sp>
+      <p:sp>
+        <p:nvSpPr>
+          <p:cNvPr id="3" name="Subtitle 2">
+            <a:extLst>
+              <a:ext uri="{FF2B5EF4-FFF2-40B4-BE49-F238E27FC236}">
+                <a16:creationId xmlns:a16="http://schemas.microsoft.com/office/drawing/2014/main" id="{2C317073-28F8-FF5F-F38E-F1F7739E9C8B}"/>
+              </a:ext>
+            </a:extLst>
+          </p:cNvPr>
+          <p:cNvSpPr>
+            <a:spLocks noGrp="1"/>
+          </p:cNvSpPr>
+          <p:nvPr>
+            <p:ph type="subTitle" idx="1"/>
+          </p:nvPr>
+        </p:nvSpPr>
+        <p:spPr>
+          <a:xfrm>
+            <a:off x="964784" y="4646762"/>
+            <a:ext cx="3956466" cy="1017438"/>
+          </a:xfrm>
+          <a:noFill/>
+        </p:spPr>
+        <p:txBody>
+          <a:bodyPr anchor="t">
+            <a:normAutofit/>
+          </a:bodyPr>
+          <a:lstStyle/>
+          <a:p>
+            <a:pPr>
+              <a:spcBef>
+                <a:spcPct val="0"/>
+              </a:spcBef>
+              <a:spcAft>
+                <a:spcPts val="600"/>
+              </a:spcAft>
+            </a:pPr>
+            <a:r>
+              <a:rPr lang="en-US" cap="all" spc="530">
+                <a:latin typeface="-webkit-standard"/>
+                <a:ea typeface="+mj-ea"/>
+                <a:cs typeface="+mj-cs"/>
+              </a:rPr>
+              <a:t>CJ</a:t>
+            </a:r>
+          </a:p>
+        </p:txBody>
+      </p:sp>
+      <p:sp>
+        <p:nvSpPr>
+          <p:cNvPr id="1042" name="Rectangle 1041">
+            <a:extLst>
+              <a:ext uri="{FF2B5EF4-FFF2-40B4-BE49-F238E27FC236}">
+                <a16:creationId xmlns:a16="http://schemas.microsoft.com/office/drawing/2014/main" id="{6B0AF32C-295D-E7E9-86B7-B77B5747BD39}"/>
+              </a:ext>
+              <a:ext uri="{C183D7F6-B498-43B3-948B-1728B52AA6E4}">
+                <adec:decorative xmlns:adec="http://schemas.microsoft.com/office/drawing/2017/decorative" val="1"/>
+              </a:ext>
+            </a:extLst>
+          </p:cNvPr>
+          <p:cNvSpPr>
+            <a:spLocks noGrp="1" noRot="1" noChangeAspect="1" noMove="1" noResize="1" noEditPoints="1" noAdjustHandles="1" noChangeArrowheads="1" noChangeShapeType="1" noTextEdit="1"/>
+          </p:cNvSpPr>
+          <p:nvPr>
+            <p:extLst>
+              <p:ext uri="{386F3935-93C4-4BCD-93E2-E3B085C9AB24}">
+                <p16:designElem xmlns:p16="http://schemas.microsoft.com/office/powerpoint/2015/main" val="1"/>
+              </p:ext>
+            </p:extLst>
+          </p:nvPr>
+        </p:nvSpPr>
+        <p:spPr>
+          <a:xfrm>
+            <a:off x="6096000" y="953965"/>
+            <a:ext cx="4477128" cy="4951535"/>
           </a:xfrm>
           <a:prstGeom prst="rect">
             <a:avLst/>
           </a:prstGeom>
           <a:noFill/>
-          <a:extLst>
-            <a:ext uri="{909E8E84-426E-40DD-AFC4-6F175D3DCCD1}">
-              <a14:hiddenFill xmlns:a14="http://schemas.microsoft.com/office/drawing/2010/main">
-                <a:solidFill>
-                  <a:srgbClr val="FFFFFF"/>
-                </a:solidFill>
-              </a14:hiddenFill>
-            </a:ext>
-          </a:extLst>
-        </p:spPr>
-      </p:pic>
-      <p:sp>
-        <p:nvSpPr>
-          <p:cNvPr id="1033" name="Rectangle 1032">
-            <a:extLst>
-              <a:ext uri="{FF2B5EF4-FFF2-40B4-BE49-F238E27FC236}">
-                <a16:creationId xmlns:a16="http://schemas.microsoft.com/office/drawing/2014/main" id="{F9FB1C88-5F1D-C7DF-A4B3-E8EE7F6BF322}"/>
-              </a:ext>
-              <a:ext uri="{C183D7F6-B498-43B3-948B-1728B52AA6E4}">
-                <adec:decorative xmlns:adec="http://schemas.microsoft.com/office/drawing/2017/decorative" val="1"/>
-              </a:ext>
-            </a:extLst>
-          </p:cNvPr>
-          <p:cNvSpPr>
-            <a:spLocks noGrp="1" noRot="1" noChangeAspect="1" noMove="1" noResize="1" noEditPoints="1" noAdjustHandles="1" noChangeArrowheads="1" noChangeShapeType="1" noTextEdit="1"/>
-          </p:cNvSpPr>
-          <p:nvPr>
-            <p:extLst>
-              <p:ext uri="{386F3935-93C4-4BCD-93E2-E3B085C9AB24}">
-                <p16:designElem xmlns:p16="http://schemas.microsoft.com/office/powerpoint/2015/main" val="1"/>
-              </p:ext>
-            </p:extLst>
-          </p:nvPr>
-        </p:nvSpPr>
-        <p:spPr>
-          <a:xfrm rot="16200000" flipH="1">
-            <a:off x="649468" y="-649466"/>
-            <a:ext cx="6857999" cy="8156934"/>
-          </a:xfrm>
-          <a:prstGeom prst="rect">
-            <a:avLst/>
-          </a:prstGeom>
-          <a:gradFill flip="none" rotWithShape="1">
-            <a:gsLst>
-              <a:gs pos="0">
-                <a:srgbClr val="000000">
-                  <a:alpha val="56000"/>
-                </a:srgbClr>
-              </a:gs>
-              <a:gs pos="100000">
-                <a:srgbClr val="000000">
-                  <a:alpha val="0"/>
-                </a:srgbClr>
-              </a:gs>
-              <a:gs pos="56000">
-                <a:srgbClr val="000000">
-                  <a:alpha val="37000"/>
-                </a:srgbClr>
-              </a:gs>
-            </a:gsLst>
-            <a:lin ang="5400000" scaled="0"/>
-            <a:tileRect/>
-          </a:gradFill>
-          <a:ln>
-            <a:noFill/>
-          </a:ln>
-        </p:spPr>
-        <p:style>
-          <a:lnRef idx="2">
-            <a:schemeClr val="accent1">
-              <a:shade val="50000"/>
-            </a:schemeClr>
-          </a:lnRef>
-          <a:fillRef idx="1">
-            <a:schemeClr val="accent1"/>
-          </a:fillRef>
-          <a:effectRef idx="0">
-            <a:schemeClr val="accent1"/>
-          </a:effectRef>
-          <a:fontRef idx="minor">
-            <a:schemeClr val="lt1"/>
-          </a:fontRef>
-        </p:style>
-        <p:txBody>
-          <a:bodyPr rtlCol="0" anchor="ctr"/>
-          <a:lstStyle/>
-          <a:p>
-            <a:pPr algn="ctr"/>
-            <a:endParaRPr lang="en-US">
-              <a:solidFill>
-                <a:srgbClr val="FFFFFF"/>
-              </a:solidFill>
-            </a:endParaRPr>
-          </a:p>
-        </p:txBody>
-      </p:sp>
-      <p:sp>
-        <p:nvSpPr>
-          <p:cNvPr id="1035" name="Freeform: Shape 1034">
-            <a:extLst>
-              <a:ext uri="{FF2B5EF4-FFF2-40B4-BE49-F238E27FC236}">
-                <a16:creationId xmlns:a16="http://schemas.microsoft.com/office/drawing/2014/main" id="{4711BF64-C99B-2F90-ADA1-0C08F9BE8392}"/>
-              </a:ext>
-              <a:ext uri="{C183D7F6-B498-43B3-948B-1728B52AA6E4}">
-                <adec:decorative xmlns:adec="http://schemas.microsoft.com/office/drawing/2017/decorative" val="1"/>
-              </a:ext>
-            </a:extLst>
-          </p:cNvPr>
-          <p:cNvSpPr>
-            <a:spLocks noGrp="1" noRot="1" noChangeAspect="1" noMove="1" noResize="1" noEditPoints="1" noAdjustHandles="1" noChangeArrowheads="1" noChangeShapeType="1" noTextEdit="1"/>
-          </p:cNvSpPr>
-          <p:nvPr>
-            <p:extLst>
-              <p:ext uri="{386F3935-93C4-4BCD-93E2-E3B085C9AB24}">
-                <p16:designElem xmlns:p16="http://schemas.microsoft.com/office/powerpoint/2015/main" val="1"/>
-              </p:ext>
-            </p:extLst>
-          </p:nvPr>
-        </p:nvSpPr>
-        <p:spPr>
-          <a:xfrm flipV="1">
-            <a:off x="952501" y="964922"/>
-            <a:ext cx="4558122" cy="4943507"/>
-          </a:xfrm>
-          <a:custGeom>
-            <a:avLst/>
-            <a:gdLst>
-              <a:gd name="connsiteX0" fmla="*/ 0 w 9985794"/>
-              <a:gd name="connsiteY0" fmla="*/ 0 h 4920343"/>
-              <a:gd name="connsiteX1" fmla="*/ 9985794 w 9985794"/>
-              <a:gd name="connsiteY1" fmla="*/ 0 h 4920343"/>
-              <a:gd name="connsiteX2" fmla="*/ 9985794 w 9985794"/>
-              <a:gd name="connsiteY2" fmla="*/ 4920343 h 4920343"/>
-              <a:gd name="connsiteX3" fmla="*/ 0 w 9985794"/>
-              <a:gd name="connsiteY3" fmla="*/ 4920343 h 4920343"/>
-              <a:gd name="connsiteX4" fmla="*/ 0 w 9985794"/>
-              <a:gd name="connsiteY4" fmla="*/ 4119525 h 4920343"/>
-              <a:gd name="connsiteX5" fmla="*/ 4905554 w 9985794"/>
-              <a:gd name="connsiteY5" fmla="*/ 4119525 h 4920343"/>
-              <a:gd name="connsiteX6" fmla="*/ 4905554 w 9985794"/>
-              <a:gd name="connsiteY6" fmla="*/ 1451087 h 4920343"/>
-              <a:gd name="connsiteX7" fmla="*/ 0 w 9985794"/>
-              <a:gd name="connsiteY7" fmla="*/ 1451087 h 4920343"/>
-              <a:gd name="connsiteX0" fmla="*/ 4905554 w 9985794"/>
-              <a:gd name="connsiteY0" fmla="*/ 4119525 h 4920343"/>
-              <a:gd name="connsiteX1" fmla="*/ 4905554 w 9985794"/>
-              <a:gd name="connsiteY1" fmla="*/ 1451087 h 4920343"/>
-              <a:gd name="connsiteX2" fmla="*/ 0 w 9985794"/>
-              <a:gd name="connsiteY2" fmla="*/ 1451087 h 4920343"/>
-              <a:gd name="connsiteX3" fmla="*/ 0 w 9985794"/>
-              <a:gd name="connsiteY3" fmla="*/ 0 h 4920343"/>
-              <a:gd name="connsiteX4" fmla="*/ 9985794 w 9985794"/>
-              <a:gd name="connsiteY4" fmla="*/ 0 h 4920343"/>
-              <a:gd name="connsiteX5" fmla="*/ 9985794 w 9985794"/>
-              <a:gd name="connsiteY5" fmla="*/ 4920343 h 4920343"/>
-              <a:gd name="connsiteX6" fmla="*/ 0 w 9985794"/>
-              <a:gd name="connsiteY6" fmla="*/ 4920343 h 4920343"/>
-              <a:gd name="connsiteX7" fmla="*/ 0 w 9985794"/>
-              <a:gd name="connsiteY7" fmla="*/ 4119525 h 4920343"/>
-              <a:gd name="connsiteX8" fmla="*/ 4996994 w 9985794"/>
-              <a:gd name="connsiteY8" fmla="*/ 4210965 h 4920343"/>
-              <a:gd name="connsiteX0" fmla="*/ 4905554 w 9985794"/>
-              <a:gd name="connsiteY0" fmla="*/ 4119525 h 4920343"/>
-              <a:gd name="connsiteX1" fmla="*/ 4905554 w 9985794"/>
-              <a:gd name="connsiteY1" fmla="*/ 1451087 h 4920343"/>
-              <a:gd name="connsiteX2" fmla="*/ 0 w 9985794"/>
-              <a:gd name="connsiteY2" fmla="*/ 1451087 h 4920343"/>
-              <a:gd name="connsiteX3" fmla="*/ 0 w 9985794"/>
-              <a:gd name="connsiteY3" fmla="*/ 0 h 4920343"/>
-              <a:gd name="connsiteX4" fmla="*/ 9985794 w 9985794"/>
-              <a:gd name="connsiteY4" fmla="*/ 0 h 4920343"/>
-              <a:gd name="connsiteX5" fmla="*/ 9985794 w 9985794"/>
-              <a:gd name="connsiteY5" fmla="*/ 4920343 h 4920343"/>
-              <a:gd name="connsiteX6" fmla="*/ 0 w 9985794"/>
-              <a:gd name="connsiteY6" fmla="*/ 4920343 h 4920343"/>
-              <a:gd name="connsiteX7" fmla="*/ 0 w 9985794"/>
-              <a:gd name="connsiteY7" fmla="*/ 4119525 h 4920343"/>
-              <a:gd name="connsiteX0" fmla="*/ 4905554 w 9985794"/>
-              <a:gd name="connsiteY0" fmla="*/ 1451087 h 4920343"/>
-              <a:gd name="connsiteX1" fmla="*/ 0 w 9985794"/>
-              <a:gd name="connsiteY1" fmla="*/ 1451087 h 4920343"/>
-              <a:gd name="connsiteX2" fmla="*/ 0 w 9985794"/>
-              <a:gd name="connsiteY2" fmla="*/ 0 h 4920343"/>
-              <a:gd name="connsiteX3" fmla="*/ 9985794 w 9985794"/>
-              <a:gd name="connsiteY3" fmla="*/ 0 h 4920343"/>
-              <a:gd name="connsiteX4" fmla="*/ 9985794 w 9985794"/>
-              <a:gd name="connsiteY4" fmla="*/ 4920343 h 4920343"/>
-              <a:gd name="connsiteX5" fmla="*/ 0 w 9985794"/>
-              <a:gd name="connsiteY5" fmla="*/ 4920343 h 4920343"/>
-              <a:gd name="connsiteX6" fmla="*/ 0 w 9985794"/>
-              <a:gd name="connsiteY6" fmla="*/ 4119525 h 4920343"/>
-              <a:gd name="connsiteX0" fmla="*/ 0 w 9985794"/>
-              <a:gd name="connsiteY0" fmla="*/ 1451087 h 4920343"/>
-              <a:gd name="connsiteX1" fmla="*/ 0 w 9985794"/>
-              <a:gd name="connsiteY1" fmla="*/ 0 h 4920343"/>
-              <a:gd name="connsiteX2" fmla="*/ 9985794 w 9985794"/>
-              <a:gd name="connsiteY2" fmla="*/ 0 h 4920343"/>
-              <a:gd name="connsiteX3" fmla="*/ 9985794 w 9985794"/>
-              <a:gd name="connsiteY3" fmla="*/ 4920343 h 4920343"/>
-              <a:gd name="connsiteX4" fmla="*/ 0 w 9985794"/>
-              <a:gd name="connsiteY4" fmla="*/ 4920343 h 4920343"/>
-              <a:gd name="connsiteX5" fmla="*/ 0 w 9985794"/>
-              <a:gd name="connsiteY5" fmla="*/ 4119525 h 4920343"/>
-              <a:gd name="connsiteX0" fmla="*/ 0 w 10019371"/>
-              <a:gd name="connsiteY0" fmla="*/ 1655069 h 4920343"/>
-              <a:gd name="connsiteX1" fmla="*/ 33577 w 10019371"/>
-              <a:gd name="connsiteY1" fmla="*/ 0 h 4920343"/>
-              <a:gd name="connsiteX2" fmla="*/ 10019371 w 10019371"/>
-              <a:gd name="connsiteY2" fmla="*/ 0 h 4920343"/>
-              <a:gd name="connsiteX3" fmla="*/ 10019371 w 10019371"/>
-              <a:gd name="connsiteY3" fmla="*/ 4920343 h 4920343"/>
-              <a:gd name="connsiteX4" fmla="*/ 33577 w 10019371"/>
-              <a:gd name="connsiteY4" fmla="*/ 4920343 h 4920343"/>
-              <a:gd name="connsiteX5" fmla="*/ 33577 w 10019371"/>
-              <a:gd name="connsiteY5" fmla="*/ 4119525 h 4920343"/>
-              <a:gd name="connsiteX0" fmla="*/ 0 w 9991028"/>
-              <a:gd name="connsiteY0" fmla="*/ 1645173 h 4920343"/>
-              <a:gd name="connsiteX1" fmla="*/ 5234 w 9991028"/>
-              <a:gd name="connsiteY1" fmla="*/ 0 h 4920343"/>
-              <a:gd name="connsiteX2" fmla="*/ 9991028 w 9991028"/>
-              <a:gd name="connsiteY2" fmla="*/ 0 h 4920343"/>
-              <a:gd name="connsiteX3" fmla="*/ 9991028 w 9991028"/>
-              <a:gd name="connsiteY3" fmla="*/ 4920343 h 4920343"/>
-              <a:gd name="connsiteX4" fmla="*/ 5234 w 9991028"/>
-              <a:gd name="connsiteY4" fmla="*/ 4920343 h 4920343"/>
-              <a:gd name="connsiteX5" fmla="*/ 5234 w 9991028"/>
-              <a:gd name="connsiteY5" fmla="*/ 4119525 h 4920343"/>
-              <a:gd name="connsiteX0" fmla="*/ 59 w 9986364"/>
-              <a:gd name="connsiteY0" fmla="*/ 1639236 h 4920343"/>
-              <a:gd name="connsiteX1" fmla="*/ 570 w 9986364"/>
-              <a:gd name="connsiteY1" fmla="*/ 0 h 4920343"/>
-              <a:gd name="connsiteX2" fmla="*/ 9986364 w 9986364"/>
-              <a:gd name="connsiteY2" fmla="*/ 0 h 4920343"/>
-              <a:gd name="connsiteX3" fmla="*/ 9986364 w 9986364"/>
-              <a:gd name="connsiteY3" fmla="*/ 4920343 h 4920343"/>
-              <a:gd name="connsiteX4" fmla="*/ 570 w 9986364"/>
-              <a:gd name="connsiteY4" fmla="*/ 4920343 h 4920343"/>
-              <a:gd name="connsiteX5" fmla="*/ 570 w 9986364"/>
-              <a:gd name="connsiteY5" fmla="*/ 4119525 h 4920343"/>
-              <a:gd name="connsiteX0" fmla="*/ 60 w 9986364"/>
-              <a:gd name="connsiteY0" fmla="*/ 1847740 h 4920343"/>
-              <a:gd name="connsiteX1" fmla="*/ 570 w 9986364"/>
-              <a:gd name="connsiteY1" fmla="*/ 0 h 4920343"/>
-              <a:gd name="connsiteX2" fmla="*/ 9986364 w 9986364"/>
-              <a:gd name="connsiteY2" fmla="*/ 0 h 4920343"/>
-              <a:gd name="connsiteX3" fmla="*/ 9986364 w 9986364"/>
-              <a:gd name="connsiteY3" fmla="*/ 4920343 h 4920343"/>
-              <a:gd name="connsiteX4" fmla="*/ 570 w 9986364"/>
-              <a:gd name="connsiteY4" fmla="*/ 4920343 h 4920343"/>
-              <a:gd name="connsiteX5" fmla="*/ 570 w 9986364"/>
-              <a:gd name="connsiteY5" fmla="*/ 4119525 h 4920343"/>
-              <a:gd name="connsiteX0" fmla="*/ 11626 w 9985937"/>
-              <a:gd name="connsiteY0" fmla="*/ 1797498 h 4920343"/>
-              <a:gd name="connsiteX1" fmla="*/ 143 w 9985937"/>
-              <a:gd name="connsiteY1" fmla="*/ 0 h 4920343"/>
-              <a:gd name="connsiteX2" fmla="*/ 9985937 w 9985937"/>
-              <a:gd name="connsiteY2" fmla="*/ 0 h 4920343"/>
-              <a:gd name="connsiteX3" fmla="*/ 9985937 w 9985937"/>
-              <a:gd name="connsiteY3" fmla="*/ 4920343 h 4920343"/>
-              <a:gd name="connsiteX4" fmla="*/ 143 w 9985937"/>
-              <a:gd name="connsiteY4" fmla="*/ 4920343 h 4920343"/>
-              <a:gd name="connsiteX5" fmla="*/ 143 w 9985937"/>
-              <a:gd name="connsiteY5" fmla="*/ 4119525 h 4920343"/>
-              <a:gd name="connsiteX0" fmla="*/ 62 w 9986364"/>
-              <a:gd name="connsiteY0" fmla="*/ 1779914 h 4920343"/>
-              <a:gd name="connsiteX1" fmla="*/ 570 w 9986364"/>
-              <a:gd name="connsiteY1" fmla="*/ 0 h 4920343"/>
-              <a:gd name="connsiteX2" fmla="*/ 9986364 w 9986364"/>
-              <a:gd name="connsiteY2" fmla="*/ 0 h 4920343"/>
-              <a:gd name="connsiteX3" fmla="*/ 9986364 w 9986364"/>
-              <a:gd name="connsiteY3" fmla="*/ 4920343 h 4920343"/>
-              <a:gd name="connsiteX4" fmla="*/ 570 w 9986364"/>
-              <a:gd name="connsiteY4" fmla="*/ 4920343 h 4920343"/>
-              <a:gd name="connsiteX5" fmla="*/ 570 w 9986364"/>
-              <a:gd name="connsiteY5" fmla="*/ 4119525 h 4920343"/>
-              <a:gd name="connsiteX0" fmla="*/ 17584 w 9985899"/>
-              <a:gd name="connsiteY0" fmla="*/ 1779914 h 4920343"/>
-              <a:gd name="connsiteX1" fmla="*/ 105 w 9985899"/>
-              <a:gd name="connsiteY1" fmla="*/ 0 h 4920343"/>
-              <a:gd name="connsiteX2" fmla="*/ 9985899 w 9985899"/>
-              <a:gd name="connsiteY2" fmla="*/ 0 h 4920343"/>
-              <a:gd name="connsiteX3" fmla="*/ 9985899 w 9985899"/>
-              <a:gd name="connsiteY3" fmla="*/ 4920343 h 4920343"/>
-              <a:gd name="connsiteX4" fmla="*/ 105 w 9985899"/>
-              <a:gd name="connsiteY4" fmla="*/ 4920343 h 4920343"/>
-              <a:gd name="connsiteX5" fmla="*/ 105 w 9985899"/>
-              <a:gd name="connsiteY5" fmla="*/ 4119525 h 4920343"/>
-            </a:gdLst>
-            <a:ahLst/>
-            <a:cxnLst>
-              <a:cxn ang="0">
-                <a:pos x="connsiteX0" y="connsiteY0"/>
-              </a:cxn>
-              <a:cxn ang="0">
-                <a:pos x="connsiteX1" y="connsiteY1"/>
-              </a:cxn>
-              <a:cxn ang="0">
-                <a:pos x="connsiteX2" y="connsiteY2"/>
-              </a:cxn>
-              <a:cxn ang="0">
-                <a:pos x="connsiteX3" y="connsiteY3"/>
-              </a:cxn>
-              <a:cxn ang="0">
-                <a:pos x="connsiteX4" y="connsiteY4"/>
-              </a:cxn>
-              <a:cxn ang="0">
-                <a:pos x="connsiteX5" y="connsiteY5"/>
-              </a:cxn>
-            </a:cxnLst>
-            <a:rect l="l" t="t" r="r" b="b"/>
-            <a:pathLst>
-              <a:path w="9985899" h="4920343">
-                <a:moveTo>
-                  <a:pt x="17584" y="1779914"/>
-                </a:moveTo>
-                <a:cubicBezTo>
-                  <a:pt x="19329" y="1231523"/>
-                  <a:pt x="-1640" y="548391"/>
-                  <a:pt x="105" y="0"/>
-                </a:cubicBezTo>
-                <a:lnTo>
-                  <a:pt x="9985899" y="0"/>
-                </a:lnTo>
-                <a:lnTo>
-                  <a:pt x="9985899" y="4920343"/>
-                </a:lnTo>
-                <a:lnTo>
-                  <a:pt x="105" y="4920343"/>
-                </a:lnTo>
-                <a:lnTo>
-                  <a:pt x="105" y="4119525"/>
-                </a:lnTo>
-              </a:path>
-            </a:pathLst>
-          </a:custGeom>
-          <a:noFill/>
           <a:ln w="12700">
             <a:solidFill>
-              <a:srgbClr val="FFFFFF"/>
+              <a:schemeClr val="tx1"/>
             </a:solidFill>
           </a:ln>
         </p:spPr>
@@ -4351,9 +5046,7 @@
           </a:fontRef>
         </p:style>
         <p:txBody>
-          <a:bodyPr wrap="square" rtlCol="0" anchor="ctr">
-            <a:noAutofit/>
-          </a:bodyPr>
+          <a:bodyPr rtlCol="0" anchor="ctr"/>
           <a:lstStyle/>
           <a:p>
             <a:pPr algn="ctr"/>
@@ -4361,109 +5054,51 @@
           </a:p>
         </p:txBody>
       </p:sp>
-      <p:sp>
-        <p:nvSpPr>
-          <p:cNvPr id="2" name="Title 1">
-            <a:extLst>
-              <a:ext uri="{FF2B5EF4-FFF2-40B4-BE49-F238E27FC236}">
-                <a16:creationId xmlns:a16="http://schemas.microsoft.com/office/drawing/2014/main" id="{D83CA191-BE6F-0375-1326-CC17A1D0482C}"/>
-              </a:ext>
-            </a:extLst>
-          </p:cNvPr>
-          <p:cNvSpPr>
-            <a:spLocks noGrp="1"/>
-          </p:cNvSpPr>
-          <p:nvPr>
-            <p:ph type="ctrTitle"/>
-          </p:nvPr>
-        </p:nvSpPr>
-        <p:spPr>
+      <p:pic>
+        <p:nvPicPr>
+          <p:cNvPr id="1026" name="Picture 2" descr="Black Women Friends: Over 47,782 Royalty-Free Licensable Stock  Illustrations &amp; Drawings | Shutterstock">
+            <a:extLst>
+              <a:ext uri="{FF2B5EF4-FFF2-40B4-BE49-F238E27FC236}">
+                <a16:creationId xmlns:a16="http://schemas.microsoft.com/office/drawing/2014/main" id="{71B87B4A-7538-3B97-2AD1-A058034E0951}"/>
+              </a:ext>
+            </a:extLst>
+          </p:cNvPr>
+          <p:cNvPicPr>
+            <a:picLocks noChangeAspect="1" noChangeArrowheads="1"/>
+          </p:cNvPicPr>
+          <p:nvPr/>
+        </p:nvPicPr>
+        <p:blipFill rotWithShape="1">
+          <a:blip r:embed="rId2">
+            <a:extLst>
+              <a:ext uri="{28A0092B-C50C-407E-A947-70E740481C1C}">
+                <a14:useLocalDpi xmlns:a14="http://schemas.microsoft.com/office/drawing/2010/main" val="0"/>
+              </a:ext>
+            </a:extLst>
+          </a:blip>
+          <a:srcRect b="881"/>
+          <a:stretch/>
+        </p:blipFill>
+        <p:spPr bwMode="auto">
           <a:xfrm>
-            <a:off x="729620" y="1862182"/>
-            <a:ext cx="3931090" cy="2155419"/>
+            <a:off x="6889073" y="2205442"/>
+            <a:ext cx="4350428" cy="2447116"/>
           </a:xfrm>
+          <a:prstGeom prst="rect">
+            <a:avLst/>
+          </a:prstGeom>
           <a:noFill/>
-        </p:spPr>
-        <p:txBody>
-          <a:bodyPr anchor="ctr">
-            <a:normAutofit/>
-          </a:bodyPr>
-          <a:lstStyle/>
-          <a:p>
-            <a:pPr>
-              <a:lnSpc>
-                <a:spcPct val="110000"/>
-              </a:lnSpc>
-            </a:pPr>
-            <a:r>
-              <a:rPr lang="en-US" sz="2200" b="0" i="0" u="none" strike="noStrike">
+          <a:extLst>
+            <a:ext uri="{909E8E84-426E-40DD-AFC4-6F175D3DCCD1}">
+              <a14:hiddenFill xmlns:a14="http://schemas.microsoft.com/office/drawing/2010/main">
                 <a:solidFill>
                   <a:srgbClr val="FFFFFF"/>
                 </a:solidFill>
-                <a:effectLst/>
-                <a:latin typeface="-webkit-standard"/>
-              </a:rPr>
-              <a:t>Empowering Women: Education and Labor Participation DATA</a:t>
-            </a:r>
-            <a:endParaRPr lang="en-US" sz="2200">
-              <a:solidFill>
-                <a:srgbClr val="FFFFFF"/>
-              </a:solidFill>
-            </a:endParaRPr>
-          </a:p>
-        </p:txBody>
-      </p:sp>
-      <p:sp>
-        <p:nvSpPr>
-          <p:cNvPr id="3" name="Subtitle 2">
-            <a:extLst>
-              <a:ext uri="{FF2B5EF4-FFF2-40B4-BE49-F238E27FC236}">
-                <a16:creationId xmlns:a16="http://schemas.microsoft.com/office/drawing/2014/main" id="{2C317073-28F8-FF5F-F38E-F1F7739E9C8B}"/>
-              </a:ext>
-            </a:extLst>
-          </p:cNvPr>
-          <p:cNvSpPr>
-            <a:spLocks noGrp="1"/>
-          </p:cNvSpPr>
-          <p:nvPr>
-            <p:ph type="subTitle" idx="1"/>
-          </p:nvPr>
-        </p:nvSpPr>
-        <p:spPr>
-          <a:xfrm>
-            <a:off x="1440505" y="4360506"/>
-            <a:ext cx="3220205" cy="1060522"/>
-          </a:xfrm>
-          <a:noFill/>
+              </a14:hiddenFill>
+            </a:ext>
+          </a:extLst>
         </p:spPr>
-        <p:txBody>
-          <a:bodyPr anchor="b">
-            <a:normAutofit/>
-          </a:bodyPr>
-          <a:lstStyle/>
-          <a:p>
-            <a:pPr>
-              <a:spcBef>
-                <a:spcPct val="0"/>
-              </a:spcBef>
-              <a:spcAft>
-                <a:spcPts val="600"/>
-              </a:spcAft>
-            </a:pPr>
-            <a:r>
-              <a:rPr lang="en-US" cap="all" spc="530">
-                <a:solidFill>
-                  <a:srgbClr val="FFFFFF"/>
-                </a:solidFill>
-                <a:latin typeface="-webkit-standard"/>
-                <a:ea typeface="+mj-ea"/>
-                <a:cs typeface="+mj-cs"/>
-              </a:rPr>
-              <a:t>CJ</a:t>
-            </a:r>
-          </a:p>
-        </p:txBody>
-      </p:sp>
+      </p:pic>
     </p:spTree>
     <p:extLst>
       <p:ext uri="{BB962C8B-B14F-4D97-AF65-F5344CB8AC3E}">
@@ -4774,7 +5409,7 @@
           </p:nvPr>
         </p:nvPicPr>
         <p:blipFill rotWithShape="1">
-          <a:blip r:embed="rId2"/>
+          <a:blip r:embed="rId3"/>
           <a:srcRect t="4010"/>
           <a:stretch/>
         </p:blipFill>
@@ -4833,14 +5468,15 @@
         </p:nvSpPr>
         <p:spPr>
           <a:xfrm>
-            <a:off x="3655540" y="113914"/>
-            <a:ext cx="9601200" cy="1309687"/>
+            <a:off x="698252" y="113914"/>
+            <a:ext cx="10795495" cy="1309687"/>
           </a:xfrm>
         </p:spPr>
         <p:txBody>
           <a:bodyPr/>
           <a:lstStyle/>
           <a:p>
+            <a:pPr algn="ctr"/>
             <a:r>
               <a:rPr lang="en-US" dirty="0"/>
               <a:t>Female population</a:t>
@@ -4865,14 +5501,14 @@
           </p:nvPr>
         </p:nvPicPr>
         <p:blipFill rotWithShape="1">
-          <a:blip r:embed="rId2"/>
+          <a:blip r:embed="rId3"/>
           <a:srcRect t="4852"/>
           <a:stretch/>
         </p:blipFill>
         <p:spPr>
           <a:xfrm>
-            <a:off x="432486" y="1547169"/>
-            <a:ext cx="11318789" cy="4816561"/>
+            <a:off x="698252" y="1286540"/>
+            <a:ext cx="10795495" cy="4907673"/>
           </a:xfrm>
         </p:spPr>
       </p:pic>
@@ -4914,173 +5550,35 @@
           <a:chExt cx="0" cy="0"/>
         </a:xfrm>
       </p:grpSpPr>
-      <p:sp useBgFill="1">
-        <p:nvSpPr>
-          <p:cNvPr id="8" name="Rectangle 7">
-            <a:extLst>
-              <a:ext uri="{FF2B5EF4-FFF2-40B4-BE49-F238E27FC236}">
-                <a16:creationId xmlns:a16="http://schemas.microsoft.com/office/drawing/2014/main" id="{E0FEA777-1A99-F20D-9443-EF409644A03F}"/>
-              </a:ext>
-              <a:ext uri="{C183D7F6-B498-43B3-948B-1728B52AA6E4}">
-                <adec:decorative xmlns:adec="http://schemas.microsoft.com/office/drawing/2017/decorative" val="1"/>
-              </a:ext>
-            </a:extLst>
-          </p:cNvPr>
-          <p:cNvSpPr>
-            <a:spLocks noGrp="1" noRot="1" noChangeAspect="1" noMove="1" noResize="1" noEditPoints="1" noAdjustHandles="1" noChangeArrowheads="1" noChangeShapeType="1" noTextEdit="1"/>
-          </p:cNvSpPr>
-          <p:nvPr>
-            <p:extLst>
-              <p:ext uri="{386F3935-93C4-4BCD-93E2-E3B085C9AB24}">
-                <p16:designElem xmlns:p16="http://schemas.microsoft.com/office/powerpoint/2015/main" val="1"/>
-              </p:ext>
-            </p:extLst>
+      <p:sp>
+        <p:nvSpPr>
+          <p:cNvPr id="2" name="Title 1">
+            <a:extLst>
+              <a:ext uri="{FF2B5EF4-FFF2-40B4-BE49-F238E27FC236}">
+                <a16:creationId xmlns:a16="http://schemas.microsoft.com/office/drawing/2014/main" id="{81C48398-E9D8-5AB2-8EC3-3276391BCD2B}"/>
+              </a:ext>
+            </a:extLst>
+          </p:cNvPr>
+          <p:cNvSpPr>
+            <a:spLocks noGrp="1"/>
+          </p:cNvSpPr>
+          <p:nvPr>
+            <p:ph type="title"/>
           </p:nvPr>
         </p:nvSpPr>
         <p:spPr>
           <a:xfrm>
-            <a:off x="0" y="0"/>
-            <a:ext cx="12192000" cy="6858000"/>
-          </a:xfrm>
-          <a:prstGeom prst="rect">
-            <a:avLst/>
-          </a:prstGeom>
-          <a:ln w="12700" cap="flat" cmpd="sng" algn="ctr">
-            <a:noFill/>
-            <a:prstDash val="solid"/>
-            <a:miter lim="800000"/>
-          </a:ln>
-          <a:effectLst/>
-          <a:extLst>
-            <a:ext uri="{91240B29-F687-4F45-9708-019B960494DF}">
-              <a14:hiddenLine xmlns:a14="http://schemas.microsoft.com/office/drawing/2010/main" w="12700" cap="flat" cmpd="sng" algn="ctr">
-                <a:solidFill>
-                  <a:schemeClr val="accent1">
-                    <a:shade val="50000"/>
-                  </a:schemeClr>
-                </a:solidFill>
-                <a:prstDash val="solid"/>
-                <a:miter lim="800000"/>
-              </a14:hiddenLine>
-            </a:ext>
-          </a:extLst>
-        </p:spPr>
-        <p:style>
-          <a:lnRef idx="2">
-            <a:schemeClr val="accent1">
-              <a:shade val="50000"/>
-            </a:schemeClr>
-          </a:lnRef>
-          <a:fillRef idx="1">
-            <a:schemeClr val="accent1"/>
-          </a:fillRef>
-          <a:effectRef idx="0">
-            <a:schemeClr val="accent1"/>
-          </a:effectRef>
-          <a:fontRef idx="minor">
-            <a:schemeClr val="lt1"/>
-          </a:fontRef>
-        </p:style>
-        <p:txBody>
-          <a:bodyPr rtlCol="0" anchor="ctr"/>
-          <a:lstStyle/>
-          <a:p>
-            <a:pPr algn="ctr"/>
-            <a:endParaRPr lang="en-US"/>
-          </a:p>
-        </p:txBody>
-      </p:sp>
-      <p:sp>
-        <p:nvSpPr>
-          <p:cNvPr id="10" name="Rectangle 9">
-            <a:extLst>
-              <a:ext uri="{FF2B5EF4-FFF2-40B4-BE49-F238E27FC236}">
-                <a16:creationId xmlns:a16="http://schemas.microsoft.com/office/drawing/2014/main" id="{D150D424-378A-5EAF-BEF3-AB85F9E35F0E}"/>
-              </a:ext>
-              <a:ext uri="{C183D7F6-B498-43B3-948B-1728B52AA6E4}">
-                <adec:decorative xmlns:adec="http://schemas.microsoft.com/office/drawing/2017/decorative" val="1"/>
-              </a:ext>
-            </a:extLst>
-          </p:cNvPr>
-          <p:cNvSpPr>
-            <a:spLocks noGrp="1" noRot="1" noChangeAspect="1" noMove="1" noResize="1" noEditPoints="1" noAdjustHandles="1" noChangeArrowheads="1" noChangeShapeType="1" noTextEdit="1"/>
-          </p:cNvSpPr>
-          <p:nvPr>
-            <p:extLst>
-              <p:ext uri="{386F3935-93C4-4BCD-93E2-E3B085C9AB24}">
-                <p16:designElem xmlns:p16="http://schemas.microsoft.com/office/powerpoint/2015/main" val="1"/>
-              </p:ext>
-            </p:extLst>
-          </p:nvPr>
-        </p:nvSpPr>
-        <p:spPr>
-          <a:xfrm>
-            <a:off x="952500" y="952500"/>
-            <a:ext cx="10287000" cy="4953000"/>
-          </a:xfrm>
-          <a:prstGeom prst="rect">
-            <a:avLst/>
-          </a:prstGeom>
-          <a:noFill/>
-          <a:ln w="12700">
-            <a:solidFill>
-              <a:schemeClr val="tx1"/>
-            </a:solidFill>
-          </a:ln>
-        </p:spPr>
-        <p:style>
-          <a:lnRef idx="2">
-            <a:schemeClr val="accent1">
-              <a:shade val="50000"/>
-            </a:schemeClr>
-          </a:lnRef>
-          <a:fillRef idx="1">
-            <a:schemeClr val="accent1"/>
-          </a:fillRef>
-          <a:effectRef idx="0">
-            <a:schemeClr val="accent1"/>
-          </a:effectRef>
-          <a:fontRef idx="minor">
-            <a:schemeClr val="lt1"/>
-          </a:fontRef>
-        </p:style>
-        <p:txBody>
-          <a:bodyPr rtlCol="0" anchor="ctr"/>
-          <a:lstStyle/>
-          <a:p>
-            <a:pPr algn="ctr"/>
-            <a:endParaRPr lang="en-US"/>
-          </a:p>
-        </p:txBody>
-      </p:sp>
-      <p:sp>
-        <p:nvSpPr>
-          <p:cNvPr id="2" name="Title 1">
-            <a:extLst>
-              <a:ext uri="{FF2B5EF4-FFF2-40B4-BE49-F238E27FC236}">
-                <a16:creationId xmlns:a16="http://schemas.microsoft.com/office/drawing/2014/main" id="{81C48398-E9D8-5AB2-8EC3-3276391BCD2B}"/>
-              </a:ext>
-            </a:extLst>
-          </p:cNvPr>
-          <p:cNvSpPr>
-            <a:spLocks noGrp="1"/>
-          </p:cNvSpPr>
-          <p:nvPr>
-            <p:ph type="title"/>
-          </p:nvPr>
-        </p:nvSpPr>
-        <p:spPr>
-          <a:xfrm>
-            <a:off x="2490862" y="1432354"/>
-            <a:ext cx="7210273" cy="933450"/>
+            <a:off x="691116" y="297713"/>
+            <a:ext cx="10738884" cy="1158947"/>
           </a:xfrm>
         </p:spPr>
         <p:txBody>
           <a:bodyPr anchor="t">
-            <a:normAutofit fontScale="90000"/>
+            <a:normAutofit/>
           </a:bodyPr>
           <a:lstStyle/>
           <a:p>
+            <a:pPr algn="ctr"/>
             <a:r>
               <a:rPr lang="en-US" dirty="0"/>
               <a:t>Worldwide view of female literacy from 1974 - 2024</a:t>
@@ -5105,14 +5603,14 @@
           </p:nvPr>
         </p:nvPicPr>
         <p:blipFill rotWithShape="1">
-          <a:blip r:embed="rId2"/>
-          <a:srcRect t="8108"/>
+          <a:blip r:embed="rId3"/>
+          <a:srcRect t="4095"/>
           <a:stretch/>
         </p:blipFill>
         <p:spPr>
           <a:xfrm>
-            <a:off x="952500" y="2842054"/>
-            <a:ext cx="10286999" cy="3063446"/>
+            <a:off x="691116" y="1456660"/>
+            <a:ext cx="10738884" cy="4933507"/>
           </a:xfrm>
         </p:spPr>
       </p:pic>
@@ -5170,7 +5668,12 @@
             <p:ph type="title"/>
           </p:nvPr>
         </p:nvSpPr>
-        <p:spPr/>
+        <p:spPr>
+          <a:xfrm>
+            <a:off x="1295400" y="842963"/>
+            <a:ext cx="9601200" cy="634963"/>
+          </a:xfrm>
+        </p:spPr>
         <p:txBody>
           <a:bodyPr anchor="t">
             <a:normAutofit/>
@@ -5180,7 +5683,7 @@
             <a:pPr algn="ctr"/>
             <a:r>
               <a:rPr lang="en-US" dirty="0"/>
-              <a:t>PUPILS IN PRIMARY SCHOOL</a:t>
+              <a:t>FEMALES IN PRIMARY SCHOOL</a:t>
             </a:r>
           </a:p>
         </p:txBody>
@@ -5202,7 +5705,7 @@
           </p:nvPr>
         </p:nvPicPr>
         <p:blipFill rotWithShape="1">
-          <a:blip r:embed="rId2"/>
+          <a:blip r:embed="rId3"/>
           <a:srcRect t="6739"/>
           <a:stretch/>
         </p:blipFill>
@@ -5289,7 +5792,7 @@
           <p:nvPr/>
         </p:nvPicPr>
         <p:blipFill rotWithShape="1">
-          <a:blip r:embed="rId2"/>
+          <a:blip r:embed="rId3"/>
           <a:srcRect t="4275"/>
           <a:stretch/>
         </p:blipFill>
@@ -5378,7 +5881,7 @@
           </p:nvPr>
         </p:nvPicPr>
         <p:blipFill rotWithShape="1">
-          <a:blip r:embed="rId2"/>
+          <a:blip r:embed="rId3"/>
           <a:srcRect t="6213"/>
           <a:stretch/>
         </p:blipFill>
@@ -5469,14 +5972,14 @@
           </p:nvPr>
         </p:nvPicPr>
         <p:blipFill rotWithShape="1">
-          <a:blip r:embed="rId2"/>
-          <a:srcRect t="6110"/>
+          <a:blip r:embed="rId3"/>
+          <a:srcRect l="2957" t="6110"/>
           <a:stretch/>
         </p:blipFill>
         <p:spPr>
           <a:xfrm>
-            <a:off x="308919" y="2152650"/>
-            <a:ext cx="11127431" cy="4396431"/>
+            <a:off x="637953" y="1701210"/>
+            <a:ext cx="10798397" cy="4847872"/>
           </a:xfrm>
         </p:spPr>
       </p:pic>
@@ -5560,7 +6063,7 @@
           </p:nvPr>
         </p:nvPicPr>
         <p:blipFill rotWithShape="1">
-          <a:blip r:embed="rId2"/>
+          <a:blip r:embed="rId3"/>
           <a:srcRect t="4000"/>
           <a:stretch/>
         </p:blipFill>
@@ -5619,8 +6122,8 @@
         </p:nvSpPr>
         <p:spPr>
           <a:xfrm>
-            <a:off x="3302343" y="657611"/>
-            <a:ext cx="5587314" cy="1309687"/>
+            <a:off x="3302343" y="259492"/>
+            <a:ext cx="5587314" cy="941988"/>
           </a:xfrm>
         </p:spPr>
         <p:txBody>
@@ -5651,14 +6154,14 @@
           </p:nvPr>
         </p:nvPicPr>
         <p:blipFill rotWithShape="1">
-          <a:blip r:embed="rId2"/>
+          <a:blip r:embed="rId3"/>
           <a:srcRect t="4482"/>
           <a:stretch/>
         </p:blipFill>
         <p:spPr>
           <a:xfrm>
-            <a:off x="572530" y="1742303"/>
-            <a:ext cx="11046940" cy="4856206"/>
+            <a:off x="572530" y="1201480"/>
+            <a:ext cx="11046940" cy="5397029"/>
           </a:xfrm>
         </p:spPr>
       </p:pic>

--- a/female_work_history.pptx
+++ b/female_work_history.pptx
@@ -1228,6 +1228,25 @@
               </a:rPr>
               <a:t>The COVID-19 pandemic caused a decline in female labor force participation in 2020. School closures, job losses in female-dominated industries, and increased caregiving needs pushed many women out of the workforce or into reduced hours.</a:t>
             </a:r>
+          </a:p>
+          <a:p>
+            <a:endParaRPr lang="en-US" b="0" i="0" u="none" strike="noStrike" dirty="0">
+              <a:solidFill>
+                <a:srgbClr val="000000"/>
+              </a:solidFill>
+              <a:effectLst/>
+            </a:endParaRPr>
+          </a:p>
+          <a:p>
+            <a:r>
+              <a:rPr lang="en-US" b="0" i="0" u="none" strike="noStrike" dirty="0">
+                <a:solidFill>
+                  <a:srgbClr val="000000"/>
+                </a:solidFill>
+                <a:effectLst/>
+              </a:rPr>
+              <a:t>Add males chart</a:t>
+            </a:r>
             <a:endParaRPr lang="en-US" dirty="0"/>
           </a:p>
         </p:txBody>
@@ -1453,6 +1472,25 @@
                 <a:effectLst/>
               </a:rPr>
               <a:t>The late 1990s did see a rise in female enlistment. This can be attributed to policy changes allowing women to fly combat missions, serve on warships, and hold positions closer to combat zones. These advancements, along with broader social changes, made the military a more viable career path for women.</a:t>
+            </a:r>
+          </a:p>
+          <a:p>
+            <a:endParaRPr lang="en-US" b="0" i="0" u="none" strike="noStrike" dirty="0">
+              <a:solidFill>
+                <a:srgbClr val="000000"/>
+              </a:solidFill>
+              <a:effectLst/>
+            </a:endParaRPr>
+          </a:p>
+          <a:p>
+            <a:r>
+              <a:rPr lang="en-US" b="0" i="0" u="none" strike="noStrike" dirty="0">
+                <a:solidFill>
+                  <a:srgbClr val="000000"/>
+                </a:solidFill>
+                <a:effectLst/>
+              </a:rPr>
+              <a:t>What other countries followed suit?</a:t>
             </a:r>
             <a:endParaRPr lang="en-US" dirty="0"/>
           </a:p>

--- a/female_work_history.pptx
+++ b/female_work_history.pptx
@@ -525,7 +525,7 @@
                 <a:effectLst/>
                 <a:latin typeface="-webkit-standard"/>
               </a:rPr>
-              <a:t>fertility rate fluctuations. This view is worldwide and some countries experienced a decrease in birth rates.</a:t>
+              <a:t>fertility rate fluctuations. This view is world wide and some countries experienced a decrease in birth rates.</a:t>
             </a:r>
             <a:endParaRPr lang="en-US" dirty="0"/>
           </a:p>
@@ -921,25 +921,7 @@
                 </a:solidFill>
                 <a:effectLst/>
               </a:rPr>
-              <a:t>The late 1990s likely continued a trend of rising female enrollment in secondary school, not necessarily a sudden </a:t>
-            </a:r>
-            <a:r>
-              <a:rPr lang="en-US" b="0" i="0" u="none" strike="noStrike" dirty="0" err="1">
-                <a:solidFill>
-                  <a:srgbClr val="000000"/>
-                </a:solidFill>
-                <a:effectLst/>
-              </a:rPr>
-              <a:t>spike.This</a:t>
-            </a:r>
-            <a:r>
-              <a:rPr lang="en-US" b="0" i="0" u="none" strike="noStrike" dirty="0">
-                <a:solidFill>
-                  <a:srgbClr val="000000"/>
-                </a:solidFill>
-                <a:effectLst/>
-              </a:rPr>
-              <a:t> resulted from a global focus on education, including girls' education, along with changing social norms and economic factors that made education more valuable for girls.</a:t>
+              <a:t>The late 1990s likely continued a trend of rising female enrollment in secondary school, not necessarily a sudden spike. This resulted from a global focus on education, including girls' education, along with changing social norms and economic factors that made education more valuable for girls.</a:t>
             </a:r>
             <a:endParaRPr lang="en-US" dirty="0"/>
           </a:p>
@@ -1237,18 +1219,6 @@
               <a:effectLst/>
             </a:endParaRPr>
           </a:p>
-          <a:p>
-            <a:r>
-              <a:rPr lang="en-US" b="0" i="0" u="none" strike="noStrike" dirty="0">
-                <a:solidFill>
-                  <a:srgbClr val="000000"/>
-                </a:solidFill>
-                <a:effectLst/>
-              </a:rPr>
-              <a:t>Add males chart</a:t>
-            </a:r>
-            <a:endParaRPr lang="en-US" dirty="0"/>
-          </a:p>
         </p:txBody>
       </p:sp>
       <p:sp>
@@ -1490,9 +1460,12 @@
                 </a:solidFill>
                 <a:effectLst/>
               </a:rPr>
-              <a:t>What other countries followed suit?</a:t>
-            </a:r>
-            <a:endParaRPr lang="en-US" dirty="0"/>
+              <a:t>What other countries followed suit? </a:t>
+            </a:r>
+            <a:r>
+              <a:rPr lang="en-US" dirty="0"/>
+              <a:t>United States Canada Australia Israel</a:t>
+            </a:r>
           </a:p>
         </p:txBody>
       </p:sp>
@@ -5341,10 +5314,10 @@
       </p:sp>
       <p:pic>
         <p:nvPicPr>
-          <p:cNvPr id="5" name="Content Placeholder 4" descr="A graph showing the line of a line&#10;&#10;Description automatically generated with medium confidence">
-            <a:extLst>
-              <a:ext uri="{FF2B5EF4-FFF2-40B4-BE49-F238E27FC236}">
-                <a16:creationId xmlns:a16="http://schemas.microsoft.com/office/drawing/2014/main" id="{66DA3B7E-6869-02ED-ECD1-BD77373EDFB1}"/>
+          <p:cNvPr id="13" name="Content Placeholder 12" descr="A graph showing the number of forces&#10;&#10;Description automatically generated">
+            <a:extLst>
+              <a:ext uri="{FF2B5EF4-FFF2-40B4-BE49-F238E27FC236}">
+                <a16:creationId xmlns:a16="http://schemas.microsoft.com/office/drawing/2014/main" id="{D3DB404E-22C2-55E3-6903-B28E43733729}"/>
               </a:ext>
             </a:extLst>
           </p:cNvPr>
@@ -5357,13 +5330,13 @@
         </p:nvPicPr>
         <p:blipFill rotWithShape="1">
           <a:blip r:embed="rId3"/>
-          <a:srcRect t="5500"/>
+          <a:srcRect t="5836"/>
           <a:stretch/>
         </p:blipFill>
         <p:spPr>
           <a:xfrm>
-            <a:off x="605481" y="1371601"/>
-            <a:ext cx="11096368" cy="5152768"/>
+            <a:off x="510363" y="1382234"/>
+            <a:ext cx="11025963" cy="4130360"/>
           </a:xfrm>
         </p:spPr>
       </p:pic>
@@ -5415,7 +5388,7 @@
         </p:nvSpPr>
         <p:spPr>
           <a:xfrm>
-            <a:off x="3561835" y="148282"/>
+            <a:off x="3561835" y="158915"/>
             <a:ext cx="5068330" cy="1393610"/>
           </a:xfrm>
         </p:spPr>
@@ -5432,10 +5405,10 @@
       </p:sp>
       <p:pic>
         <p:nvPicPr>
-          <p:cNvPr id="5" name="Content Placeholder 4" descr="A graph with different colored lines&#10;&#10;Description automatically generated">
-            <a:extLst>
-              <a:ext uri="{FF2B5EF4-FFF2-40B4-BE49-F238E27FC236}">
-                <a16:creationId xmlns:a16="http://schemas.microsoft.com/office/drawing/2014/main" id="{546F4A82-5CD0-B9E4-AC77-7A2DB3DB5B33}"/>
+          <p:cNvPr id="9" name="Content Placeholder 8" descr="A graph with different colored lines&#10;&#10;Description automatically generated">
+            <a:extLst>
+              <a:ext uri="{FF2B5EF4-FFF2-40B4-BE49-F238E27FC236}">
+                <a16:creationId xmlns:a16="http://schemas.microsoft.com/office/drawing/2014/main" id="{98790CA2-71EF-8D28-7C3A-58762F534F6C}"/>
               </a:ext>
             </a:extLst>
           </p:cNvPr>
@@ -5448,13 +5421,13 @@
         </p:nvPicPr>
         <p:blipFill rotWithShape="1">
           <a:blip r:embed="rId3"/>
-          <a:srcRect t="4010"/>
+          <a:srcRect t="5608"/>
           <a:stretch/>
         </p:blipFill>
         <p:spPr>
           <a:xfrm>
-            <a:off x="420131" y="1223319"/>
-            <a:ext cx="11392928" cy="5486399"/>
+            <a:off x="425302" y="1275907"/>
+            <a:ext cx="11079126" cy="4253023"/>
           </a:xfrm>
         </p:spPr>
       </p:pic>
@@ -5506,8 +5479,8 @@
         </p:nvSpPr>
         <p:spPr>
           <a:xfrm>
-            <a:off x="698252" y="113914"/>
-            <a:ext cx="10795495" cy="1309687"/>
+            <a:off x="2590869" y="113914"/>
+            <a:ext cx="7074149" cy="928077"/>
           </a:xfrm>
         </p:spPr>
         <p:txBody>
@@ -5524,10 +5497,10 @@
       </p:sp>
       <p:pic>
         <p:nvPicPr>
-          <p:cNvPr id="5" name="Content Placeholder 4" descr="A graph with a line going up&#10;&#10;Description automatically generated">
-            <a:extLst>
-              <a:ext uri="{FF2B5EF4-FFF2-40B4-BE49-F238E27FC236}">
-                <a16:creationId xmlns:a16="http://schemas.microsoft.com/office/drawing/2014/main" id="{18535F39-0FBE-D899-D948-581ED3BA11DE}"/>
+          <p:cNvPr id="9" name="Content Placeholder 8" descr="A graph showing the growth of a person&#10;&#10;Description automatically generated">
+            <a:extLst>
+              <a:ext uri="{FF2B5EF4-FFF2-40B4-BE49-F238E27FC236}">
+                <a16:creationId xmlns:a16="http://schemas.microsoft.com/office/drawing/2014/main" id="{E0F7F820-25AC-8B4F-78C6-998D4CCF7FE2}"/>
               </a:ext>
             </a:extLst>
           </p:cNvPr>
@@ -5540,13 +5513,13 @@
         </p:nvPicPr>
         <p:blipFill rotWithShape="1">
           <a:blip r:embed="rId3"/>
-          <a:srcRect t="4852"/>
+          <a:srcRect t="4785"/>
           <a:stretch/>
         </p:blipFill>
         <p:spPr>
           <a:xfrm>
-            <a:off x="698252" y="1286540"/>
-            <a:ext cx="10795495" cy="4907673"/>
+            <a:off x="730195" y="1041991"/>
+            <a:ext cx="10795495" cy="4572000"/>
           </a:xfrm>
         </p:spPr>
       </p:pic>
@@ -5626,10 +5599,10 @@
       </p:sp>
       <p:pic>
         <p:nvPicPr>
-          <p:cNvPr id="5" name="Content Placeholder 4" descr="A graph showing the growth of women&#10;&#10;Description automatically generated">
-            <a:extLst>
-              <a:ext uri="{FF2B5EF4-FFF2-40B4-BE49-F238E27FC236}">
-                <a16:creationId xmlns:a16="http://schemas.microsoft.com/office/drawing/2014/main" id="{8623FFED-C358-192A-91E9-ED4946A77A4F}"/>
+          <p:cNvPr id="15" name="Content Placeholder 14" descr="A graph showing the growth of women's rights&#10;&#10;Description automatically generated">
+            <a:extLst>
+              <a:ext uri="{FF2B5EF4-FFF2-40B4-BE49-F238E27FC236}">
+                <a16:creationId xmlns:a16="http://schemas.microsoft.com/office/drawing/2014/main" id="{E622686B-4AF9-3388-CCFE-D62ACB33A9F9}"/>
               </a:ext>
             </a:extLst>
           </p:cNvPr>
@@ -5642,13 +5615,13 @@
         </p:nvPicPr>
         <p:blipFill rotWithShape="1">
           <a:blip r:embed="rId3"/>
-          <a:srcRect t="4095"/>
+          <a:srcRect t="6292"/>
           <a:stretch/>
         </p:blipFill>
         <p:spPr>
           <a:xfrm>
-            <a:off x="691116" y="1456660"/>
-            <a:ext cx="10738884" cy="4933507"/>
+            <a:off x="276447" y="1456659"/>
+            <a:ext cx="11642651" cy="4306187"/>
           </a:xfrm>
         </p:spPr>
       </p:pic>
@@ -5708,7 +5681,7 @@
         </p:nvSpPr>
         <p:spPr>
           <a:xfrm>
-            <a:off x="1295400" y="842963"/>
+            <a:off x="1295399" y="365935"/>
             <a:ext cx="9601200" cy="634963"/>
           </a:xfrm>
         </p:spPr>
@@ -5728,10 +5701,10 @@
       </p:sp>
       <p:pic>
         <p:nvPicPr>
-          <p:cNvPr id="5" name="Content Placeholder 4" descr="A graph with a line going up&#10;&#10;Description automatically generated">
-            <a:extLst>
-              <a:ext uri="{FF2B5EF4-FFF2-40B4-BE49-F238E27FC236}">
-                <a16:creationId xmlns:a16="http://schemas.microsoft.com/office/drawing/2014/main" id="{510608CD-F1A0-21E6-285E-A49723918987}"/>
+          <p:cNvPr id="18" name="Content Placeholder 17" descr="A graph showing the growth of women&#10;&#10;Description automatically generated">
+            <a:extLst>
+              <a:ext uri="{FF2B5EF4-FFF2-40B4-BE49-F238E27FC236}">
+                <a16:creationId xmlns:a16="http://schemas.microsoft.com/office/drawing/2014/main" id="{289499D7-8263-02CB-015D-F3351162B09B}"/>
               </a:ext>
             </a:extLst>
           </p:cNvPr>
@@ -5744,13 +5717,13 @@
         </p:nvPicPr>
         <p:blipFill rotWithShape="1">
           <a:blip r:embed="rId3"/>
-          <a:srcRect t="6739"/>
+          <a:srcRect t="7038"/>
           <a:stretch/>
         </p:blipFill>
         <p:spPr>
           <a:xfrm>
-            <a:off x="640491" y="1581665"/>
-            <a:ext cx="10911017" cy="4275437"/>
+            <a:off x="710978" y="1095153"/>
+            <a:ext cx="10770043" cy="4699591"/>
           </a:xfrm>
         </p:spPr>
       </p:pic>
@@ -5800,7 +5773,12 @@
             <p:ph type="title"/>
           </p:nvPr>
         </p:nvSpPr>
-        <p:spPr/>
+        <p:spPr>
+          <a:xfrm>
+            <a:off x="1236551" y="396395"/>
+            <a:ext cx="9601200" cy="1309687"/>
+          </a:xfrm>
+        </p:spPr>
         <p:txBody>
           <a:bodyPr anchor="t">
             <a:normAutofit/>
@@ -5817,10 +5795,10 @@
       </p:sp>
       <p:pic>
         <p:nvPicPr>
-          <p:cNvPr id="4" name="Picture 3" descr="A graph showing the growth of students&#10;&#10;Description automatically generated">
-            <a:extLst>
-              <a:ext uri="{FF2B5EF4-FFF2-40B4-BE49-F238E27FC236}">
-                <a16:creationId xmlns:a16="http://schemas.microsoft.com/office/drawing/2014/main" id="{BD2BC815-8801-DAAD-485F-C5CC15A7015F}"/>
+          <p:cNvPr id="15" name="Picture 14" descr="A graph showing the growth of students&#10;&#10;Description automatically generated">
+            <a:extLst>
+              <a:ext uri="{FF2B5EF4-FFF2-40B4-BE49-F238E27FC236}">
+                <a16:creationId xmlns:a16="http://schemas.microsoft.com/office/drawing/2014/main" id="{60020AB6-FEF3-9D8E-5790-211200582748}"/>
               </a:ext>
             </a:extLst>
           </p:cNvPr>
@@ -5831,13 +5809,13 @@
         </p:nvPicPr>
         <p:blipFill rotWithShape="1">
           <a:blip r:embed="rId3"/>
-          <a:srcRect t="4275"/>
+          <a:srcRect t="5847"/>
           <a:stretch/>
         </p:blipFill>
         <p:spPr>
           <a:xfrm>
-            <a:off x="516924" y="1692747"/>
-            <a:ext cx="11158151" cy="4349578"/>
+            <a:off x="637953" y="1148317"/>
+            <a:ext cx="10798397" cy="4593264"/>
           </a:xfrm>
           <a:prstGeom prst="rect">
             <a:avLst/>
@@ -5890,7 +5868,12 @@
             <p:ph type="title"/>
           </p:nvPr>
         </p:nvSpPr>
-        <p:spPr/>
+        <p:spPr>
+          <a:xfrm>
+            <a:off x="1295400" y="630195"/>
+            <a:ext cx="9601200" cy="879511"/>
+          </a:xfrm>
+        </p:spPr>
         <p:txBody>
           <a:bodyPr/>
           <a:lstStyle/>
@@ -5904,10 +5887,10 @@
       </p:sp>
       <p:pic>
         <p:nvPicPr>
-          <p:cNvPr id="5" name="Content Placeholder 4" descr="A graph with a line going up&#10;&#10;Description automatically generated">
-            <a:extLst>
-              <a:ext uri="{FF2B5EF4-FFF2-40B4-BE49-F238E27FC236}">
-                <a16:creationId xmlns:a16="http://schemas.microsoft.com/office/drawing/2014/main" id="{FDA583C9-E5D6-1446-6E96-7B7A3F6DBA1E}"/>
+          <p:cNvPr id="9" name="Content Placeholder 8" descr="A graph showing the growth of students&#10;&#10;Description automatically generated">
+            <a:extLst>
+              <a:ext uri="{FF2B5EF4-FFF2-40B4-BE49-F238E27FC236}">
+                <a16:creationId xmlns:a16="http://schemas.microsoft.com/office/drawing/2014/main" id="{403C4498-1BCB-078E-9D5F-4A35368A632C}"/>
               </a:ext>
             </a:extLst>
           </p:cNvPr>
@@ -5920,13 +5903,13 @@
         </p:nvPicPr>
         <p:blipFill rotWithShape="1">
           <a:blip r:embed="rId3"/>
-          <a:srcRect t="6213"/>
+          <a:srcRect t="6060"/>
           <a:stretch/>
         </p:blipFill>
         <p:spPr>
           <a:xfrm>
-            <a:off x="531342" y="2097945"/>
-            <a:ext cx="10976918" cy="4129860"/>
+            <a:off x="467833" y="1432404"/>
+            <a:ext cx="10813312" cy="4330443"/>
           </a:xfrm>
         </p:spPr>
       </p:pic>
@@ -6016,8 +5999,8 @@
         </p:blipFill>
         <p:spPr>
           <a:xfrm>
-            <a:off x="637953" y="1701210"/>
-            <a:ext cx="10798397" cy="4847872"/>
+            <a:off x="488265" y="1520457"/>
+            <a:ext cx="10798397" cy="4348716"/>
           </a:xfrm>
         </p:spPr>
       </p:pic>
@@ -6086,10 +6069,10 @@
       </p:sp>
       <p:pic>
         <p:nvPicPr>
-          <p:cNvPr id="5" name="Content Placeholder 4" descr="A graph showing the growth of labor force&#10;&#10;Description automatically generated">
-            <a:extLst>
-              <a:ext uri="{FF2B5EF4-FFF2-40B4-BE49-F238E27FC236}">
-                <a16:creationId xmlns:a16="http://schemas.microsoft.com/office/drawing/2014/main" id="{178436D9-D52C-DCEC-9A9F-1AECCE682067}"/>
+          <p:cNvPr id="9" name="Content Placeholder 8" descr="A graph showing the growth of labor force&#10;&#10;Description automatically generated">
+            <a:extLst>
+              <a:ext uri="{FF2B5EF4-FFF2-40B4-BE49-F238E27FC236}">
+                <a16:creationId xmlns:a16="http://schemas.microsoft.com/office/drawing/2014/main" id="{9CA3FFEC-A54C-A26B-317E-50761EB50668}"/>
               </a:ext>
             </a:extLst>
           </p:cNvPr>
@@ -6102,13 +6085,13 @@
         </p:nvPicPr>
         <p:blipFill rotWithShape="1">
           <a:blip r:embed="rId3"/>
-          <a:srcRect t="4000"/>
+          <a:srcRect t="6004"/>
           <a:stretch/>
         </p:blipFill>
         <p:spPr>
           <a:xfrm>
-            <a:off x="679622" y="1495169"/>
-            <a:ext cx="10849232" cy="5029199"/>
+            <a:off x="308344" y="1467293"/>
+            <a:ext cx="11206716" cy="4955518"/>
           </a:xfrm>
         </p:spPr>
       </p:pic>
@@ -6177,10 +6160,10 @@
       </p:sp>
       <p:pic>
         <p:nvPicPr>
-          <p:cNvPr id="5" name="Content Placeholder 4" descr="A graph with purple line&#10;&#10;Description automatically generated">
-            <a:extLst>
-              <a:ext uri="{FF2B5EF4-FFF2-40B4-BE49-F238E27FC236}">
-                <a16:creationId xmlns:a16="http://schemas.microsoft.com/office/drawing/2014/main" id="{44DE5D19-9767-7430-0000-D2EE0B3F77F3}"/>
+          <p:cNvPr id="9" name="Content Placeholder 8" descr="A graph with purple line&#10;&#10;Description automatically generated">
+            <a:extLst>
+              <a:ext uri="{FF2B5EF4-FFF2-40B4-BE49-F238E27FC236}">
+                <a16:creationId xmlns:a16="http://schemas.microsoft.com/office/drawing/2014/main" id="{6F6BE203-EB17-08D2-4778-89B491FADD13}"/>
               </a:ext>
             </a:extLst>
           </p:cNvPr>
@@ -6193,13 +6176,13 @@
         </p:nvPicPr>
         <p:blipFill rotWithShape="1">
           <a:blip r:embed="rId3"/>
-          <a:srcRect t="4482"/>
+          <a:srcRect t="6805"/>
           <a:stretch/>
         </p:blipFill>
         <p:spPr>
           <a:xfrm>
-            <a:off x="572530" y="1201480"/>
-            <a:ext cx="11046940" cy="5397029"/>
+            <a:off x="520995" y="1201479"/>
+            <a:ext cx="11142921" cy="4465673"/>
           </a:xfrm>
         </p:spPr>
       </p:pic>
